--- a/assets/React.pptx
+++ b/assets/React.pptx
@@ -10,26 +10,25 @@
     <p:sldId id="262" r:id="rId4"/>
     <p:sldId id="263" r:id="rId5"/>
     <p:sldId id="269" r:id="rId6"/>
-    <p:sldId id="264" r:id="rId7"/>
-    <p:sldId id="261" r:id="rId8"/>
-    <p:sldId id="257" r:id="rId9"/>
-    <p:sldId id="258" r:id="rId10"/>
-    <p:sldId id="267" r:id="rId11"/>
-    <p:sldId id="273" r:id="rId12"/>
-    <p:sldId id="272" r:id="rId13"/>
-    <p:sldId id="266" r:id="rId14"/>
-    <p:sldId id="271" r:id="rId15"/>
-    <p:sldId id="281" r:id="rId16"/>
-    <p:sldId id="268" r:id="rId17"/>
-    <p:sldId id="277" r:id="rId18"/>
-    <p:sldId id="275" r:id="rId19"/>
-    <p:sldId id="280" r:id="rId20"/>
-    <p:sldId id="282" r:id="rId21"/>
-    <p:sldId id="283" r:id="rId22"/>
-    <p:sldId id="270" r:id="rId23"/>
-    <p:sldId id="276" r:id="rId24"/>
-    <p:sldId id="274" r:id="rId25"/>
-    <p:sldId id="265" r:id="rId26"/>
+    <p:sldId id="261" r:id="rId7"/>
+    <p:sldId id="257" r:id="rId8"/>
+    <p:sldId id="258" r:id="rId9"/>
+    <p:sldId id="267" r:id="rId10"/>
+    <p:sldId id="273" r:id="rId11"/>
+    <p:sldId id="272" r:id="rId12"/>
+    <p:sldId id="266" r:id="rId13"/>
+    <p:sldId id="271" r:id="rId14"/>
+    <p:sldId id="281" r:id="rId15"/>
+    <p:sldId id="268" r:id="rId16"/>
+    <p:sldId id="277" r:id="rId17"/>
+    <p:sldId id="275" r:id="rId18"/>
+    <p:sldId id="280" r:id="rId19"/>
+    <p:sldId id="282" r:id="rId20"/>
+    <p:sldId id="283" r:id="rId21"/>
+    <p:sldId id="270" r:id="rId22"/>
+    <p:sldId id="276" r:id="rId23"/>
+    <p:sldId id="274" r:id="rId24"/>
+    <p:sldId id="265" r:id="rId25"/>
   </p:sldIdLst>
   <p:sldSz cx="12192000" cy="6858000"/>
   <p:notesSz cx="6858000" cy="9144000"/>
@@ -128,6 +127,11 @@
       </a:defRPr>
     </a:lvl9pPr>
   </p:defaultTextStyle>
+  <p:extLst>
+    <p:ext uri="{EFAFB233-063F-42B5-8137-9DF3F51BA10A}">
+      <p15:sldGuideLst xmlns:p15="http://schemas.microsoft.com/office/powerpoint/2012/main"/>
+    </p:ext>
+  </p:extLst>
 </p:presentation>
 </file>
 
@@ -348,7 +352,7 @@
           <a:p>
             <a:fld id="{1160EA64-D806-43AC-9DF2-F8C432F32B4C}" type="datetimeFigureOut">
               <a:rPr lang="en-US" dirty="0"/>
-              <a:t>7/16/2018</a:t>
+              <a:t>7/18/2018</a:t>
             </a:fld>
             <a:endParaRPr lang="en-US" dirty="0"/>
           </a:p>
@@ -514,7 +518,7 @@
           <a:p>
             <a:fld id="{E9F9C37B-1D36-470B-8223-D6C91242EC14}" type="datetimeFigureOut">
               <a:rPr lang="en-US" dirty="0"/>
-              <a:t>7/16/2018</a:t>
+              <a:t>7/18/2018</a:t>
             </a:fld>
             <a:endParaRPr lang="en-US" dirty="0"/>
           </a:p>
@@ -689,7 +693,7 @@
           <a:p>
             <a:fld id="{67C6F52A-A82B-47A2-A83A-8C4C91F2D59F}" type="datetimeFigureOut">
               <a:rPr lang="en-US" dirty="0"/>
-              <a:t>7/16/2018</a:t>
+              <a:t>7/18/2018</a:t>
             </a:fld>
             <a:endParaRPr lang="en-US" dirty="0"/>
           </a:p>
@@ -854,7 +858,7 @@
           <a:p>
             <a:fld id="{F070A7B3-6521-4DCA-87E5-044747A908C1}" type="datetimeFigureOut">
               <a:rPr lang="en-US" dirty="0"/>
-              <a:t>7/16/2018</a:t>
+              <a:t>7/18/2018</a:t>
             </a:fld>
             <a:endParaRPr lang="en-US" dirty="0"/>
           </a:p>
@@ -1118,7 +1122,7 @@
           <a:p>
             <a:fld id="{1160EA64-D806-43AC-9DF2-F8C432F32B4C}" type="datetimeFigureOut">
               <a:rPr lang="en-US" dirty="0"/>
-              <a:t>7/16/2018</a:t>
+              <a:t>7/18/2018</a:t>
             </a:fld>
             <a:endParaRPr lang="en-US" dirty="0"/>
           </a:p>
@@ -1346,7 +1350,7 @@
           <a:p>
             <a:fld id="{AB134690-1557-4C89-A502-4959FE7FAD70}" type="datetimeFigureOut">
               <a:rPr lang="en-US" dirty="0"/>
-              <a:t>7/16/2018</a:t>
+              <a:t>7/18/2018</a:t>
             </a:fld>
             <a:endParaRPr lang="en-US" dirty="0"/>
           </a:p>
@@ -1700,7 +1704,7 @@
           <a:p>
             <a:fld id="{4F7D4976-E339-4826-83B7-FBD03F55ECF8}" type="datetimeFigureOut">
               <a:rPr lang="en-US" dirty="0"/>
-              <a:t>7/16/2018</a:t>
+              <a:t>7/18/2018</a:t>
             </a:fld>
             <a:endParaRPr lang="en-US" dirty="0"/>
           </a:p>
@@ -1836,7 +1840,7 @@
           <a:p>
             <a:fld id="{E1037C31-9E7A-4F99-8774-A0E530DE1A42}" type="datetimeFigureOut">
               <a:rPr lang="en-US" dirty="0"/>
-              <a:t>7/16/2018</a:t>
+              <a:t>7/18/2018</a:t>
             </a:fld>
             <a:endParaRPr lang="en-US" dirty="0"/>
           </a:p>
@@ -1926,7 +1930,7 @@
           <a:p>
             <a:fld id="{C278504F-A551-4DE0-9316-4DCD1D8CC752}" type="datetimeFigureOut">
               <a:rPr lang="en-US" dirty="0"/>
-              <a:t>7/16/2018</a:t>
+              <a:t>7/18/2018</a:t>
             </a:fld>
             <a:endParaRPr lang="en-US" dirty="0"/>
           </a:p>
@@ -2278,7 +2282,7 @@
           <a:p>
             <a:fld id="{D1BE4249-C0D0-4B06-8692-E8BB871AF643}" type="datetimeFigureOut">
               <a:rPr lang="en-US" dirty="0"/>
-              <a:t>7/16/2018</a:t>
+              <a:t>7/18/2018</a:t>
             </a:fld>
             <a:endParaRPr lang="en-US" dirty="0"/>
           </a:p>
@@ -2630,7 +2634,7 @@
           <a:p>
             <a:fld id="{042B0DB6-F5C7-45FB-8CF3-31B45F9C2DAC}" type="datetimeFigureOut">
               <a:rPr lang="en-US" dirty="0"/>
-              <a:t>7/16/2018</a:t>
+              <a:t>7/18/2018</a:t>
             </a:fld>
             <a:endParaRPr lang="en-US" dirty="0"/>
           </a:p>
@@ -2866,7 +2870,7 @@
           <a:p>
             <a:fld id="{1160EA64-D806-43AC-9DF2-F8C432F32B4C}" type="datetimeFigureOut">
               <a:rPr lang="en-US" dirty="0"/>
-              <a:t>7/16/2018</a:t>
+              <a:t>7/18/2018</a:t>
             </a:fld>
             <a:endParaRPr lang="en-US" dirty="0"/>
           </a:p>
@@ -3414,7 +3418,11 @@
           <a:p>
             <a:r>
               <a:rPr lang="ru-RU" dirty="0" smtClean="0"/>
-              <a:t>Зачем писать тесты</a:t>
+              <a:t>Способы писать </a:t>
+            </a:r>
+            <a:r>
+              <a:rPr lang="ru-RU" dirty="0"/>
+              <a:t>тесты</a:t>
             </a:r>
             <a:endParaRPr lang="en-US" dirty="0"/>
           </a:p>
@@ -3439,32 +3447,32 @@
           <a:p>
             <a:r>
               <a:rPr lang="ru-RU" dirty="0" smtClean="0"/>
-              <a:t>Надежность приложения. Меньше неожиданных регрессий</a:t>
-            </a:r>
-          </a:p>
-          <a:p>
-            <a:r>
-              <a:rPr lang="ru-RU" dirty="0" smtClean="0"/>
-              <a:t>Стоимость исправления ошибок ниже</a:t>
-            </a:r>
-            <a:endParaRPr lang="ru-RU" dirty="0"/>
-          </a:p>
-          <a:p>
-            <a:r>
-              <a:rPr lang="ru-RU" dirty="0" smtClean="0"/>
-              <a:t>Производительность. Тесты быстрее кликов</a:t>
-            </a:r>
-          </a:p>
-          <a:p>
-            <a:r>
-              <a:rPr lang="ru-RU" dirty="0" smtClean="0"/>
-              <a:t>Документация</a:t>
-            </a:r>
-          </a:p>
-          <a:p>
-            <a:r>
-              <a:rPr lang="ru-RU" dirty="0" smtClean="0"/>
-              <a:t>Архитектура</a:t>
+              <a:t>После реализации прототипа</a:t>
+            </a:r>
+          </a:p>
+          <a:p>
+            <a:r>
+              <a:rPr lang="en-US" dirty="0" smtClean="0"/>
+              <a:t>TDD</a:t>
+            </a:r>
+            <a:endParaRPr lang="ru-RU" dirty="0" smtClean="0"/>
+          </a:p>
+          <a:p>
+            <a:r>
+              <a:rPr lang="ru-RU" dirty="0" smtClean="0"/>
+              <a:t>На критические места</a:t>
+            </a:r>
+          </a:p>
+          <a:p>
+            <a:r>
+              <a:rPr lang="ru-RU" dirty="0" smtClean="0"/>
+              <a:t>Тесты на баги</a:t>
+            </a:r>
+          </a:p>
+          <a:p>
+            <a:r>
+              <a:rPr lang="ru-RU" dirty="0" smtClean="0"/>
+              <a:t>Приемочные тесты</a:t>
             </a:r>
             <a:endParaRPr lang="en-US" dirty="0"/>
           </a:p>
@@ -3473,7 +3481,7 @@
     </p:spTree>
     <p:extLst>
       <p:ext uri="{BB962C8B-B14F-4D97-AF65-F5344CB8AC3E}">
-        <p14:creationId xmlns:p14="http://schemas.microsoft.com/office/powerpoint/2010/main" val="2530550603"/>
+        <p14:creationId xmlns:p14="http://schemas.microsoft.com/office/powerpoint/2010/main" val="250856234"/>
       </p:ext>
     </p:extLst>
   </p:cSld>
@@ -3524,11 +3532,11 @@
           <a:p>
             <a:r>
               <a:rPr lang="ru-RU" dirty="0" smtClean="0"/>
-              <a:t>Способы писать </a:t>
-            </a:r>
-            <a:r>
-              <a:rPr lang="ru-RU" dirty="0"/>
-              <a:t>тесты</a:t>
+              <a:t>Почему тестирование в конце не эффективно</a:t>
+            </a:r>
+            <a:r>
+              <a:rPr lang="en-US" dirty="0" smtClean="0"/>
+              <a:t>?</a:t>
             </a:r>
             <a:endParaRPr lang="en-US" dirty="0"/>
           </a:p>
@@ -3546,39 +3554,36 @@
         </p:nvSpPr>
         <p:spPr/>
         <p:txBody>
-          <a:bodyPr>
-            <a:normAutofit/>
-          </a:bodyPr>
-          <a:lstStyle/>
-          <a:p>
-            <a:r>
-              <a:rPr lang="ru-RU" dirty="0" smtClean="0"/>
-              <a:t>После реализации прототипа</a:t>
-            </a:r>
-          </a:p>
-          <a:p>
-            <a:r>
-              <a:rPr lang="en-US" dirty="0" smtClean="0"/>
-              <a:t>TDD</a:t>
-            </a:r>
-            <a:endParaRPr lang="ru-RU" dirty="0" smtClean="0"/>
-          </a:p>
-          <a:p>
-            <a:r>
-              <a:rPr lang="ru-RU" dirty="0" smtClean="0"/>
-              <a:t>На критические места</a:t>
-            </a:r>
-          </a:p>
-          <a:p>
-            <a:r>
-              <a:rPr lang="ru-RU" dirty="0" smtClean="0"/>
-              <a:t>Тесты на баги</a:t>
-            </a:r>
-          </a:p>
-          <a:p>
-            <a:r>
-              <a:rPr lang="ru-RU" dirty="0" smtClean="0"/>
-              <a:t>Приемочные тесты</a:t>
+          <a:bodyPr/>
+          <a:lstStyle/>
+          <a:p>
+            <a:r>
+              <a:rPr lang="ru-RU" dirty="0" smtClean="0"/>
+              <a:t>Трудно повысить качество уже существующего продукта ощутимо для заказчика. Но легко продемонстрировать его потерю.</a:t>
+            </a:r>
+          </a:p>
+          <a:p>
+            <a:r>
+              <a:rPr lang="ru-RU" dirty="0" smtClean="0"/>
+              <a:t>Ошибки проверяемые в конце остаются незамеченными</a:t>
+            </a:r>
+          </a:p>
+          <a:p>
+            <a:r>
+              <a:rPr lang="ru-RU" dirty="0" smtClean="0"/>
+              <a:t>Трудно оценить текущее состояние проекта</a:t>
+            </a:r>
+          </a:p>
+          <a:p>
+            <a:r>
+              <a:rPr lang="ru-RU" dirty="0" smtClean="0"/>
+              <a:t>Невозможно получить обратную связь</a:t>
+            </a:r>
+          </a:p>
+          <a:p>
+            <a:r>
+              <a:rPr lang="ru-RU" dirty="0" smtClean="0"/>
+              <a:t>Повышается вероятность сокращения тестирования</a:t>
             </a:r>
             <a:endParaRPr lang="en-US" dirty="0"/>
           </a:p>
@@ -3587,7 +3592,7 @@
     </p:spTree>
     <p:extLst>
       <p:ext uri="{BB962C8B-B14F-4D97-AF65-F5344CB8AC3E}">
-        <p14:creationId xmlns:p14="http://schemas.microsoft.com/office/powerpoint/2010/main" val="250856234"/>
+        <p14:creationId xmlns:p14="http://schemas.microsoft.com/office/powerpoint/2010/main" val="2809784247"/>
       </p:ext>
     </p:extLst>
   </p:cSld>
@@ -3623,7 +3628,208 @@
       </p:grpSpPr>
       <p:sp>
         <p:nvSpPr>
-          <p:cNvPr id="6" name="Title 5"/>
+          <p:cNvPr id="7" name="Text Placeholder 6"/>
+          <p:cNvSpPr>
+            <a:spLocks noGrp="1"/>
+          </p:cNvSpPr>
+          <p:nvPr>
+            <p:ph type="body" idx="1"/>
+          </p:nvPr>
+        </p:nvSpPr>
+        <p:spPr/>
+        <p:txBody>
+          <a:bodyPr/>
+          <a:lstStyle/>
+          <a:p>
+            <a:r>
+              <a:rPr lang="ru-RU" dirty="0" smtClean="0"/>
+              <a:t>Затраты</a:t>
+            </a:r>
+            <a:endParaRPr lang="ru-RU" dirty="0"/>
+          </a:p>
+        </p:txBody>
+      </p:sp>
+      <p:sp>
+        <p:nvSpPr>
+          <p:cNvPr id="8" name="Content Placeholder 7"/>
+          <p:cNvSpPr>
+            <a:spLocks noGrp="1"/>
+          </p:cNvSpPr>
+          <p:nvPr>
+            <p:ph sz="half" idx="2"/>
+          </p:nvPr>
+        </p:nvSpPr>
+        <p:spPr/>
+        <p:txBody>
+          <a:bodyPr>
+            <a:normAutofit/>
+          </a:bodyPr>
+          <a:lstStyle/>
+          <a:p>
+            <a:r>
+              <a:rPr lang="en-US" dirty="0" smtClean="0"/>
+              <a:t>TDD</a:t>
+            </a:r>
+          </a:p>
+          <a:p>
+            <a:pPr lvl="1"/>
+            <a:r>
+              <a:rPr lang="en-US" dirty="0" smtClean="0"/>
+              <a:t>~15% </a:t>
+            </a:r>
+            <a:r>
+              <a:rPr lang="ru-RU" dirty="0" smtClean="0"/>
+              <a:t>увеличение затрат на разработку</a:t>
+            </a:r>
+          </a:p>
+          <a:p>
+            <a:pPr lvl="1"/>
+            <a:r>
+              <a:rPr lang="ru-RU" dirty="0" smtClean="0"/>
+              <a:t>24-38% сокращение количества обнаруженных ошибок</a:t>
+            </a:r>
+            <a:endParaRPr lang="en-US" dirty="0"/>
+          </a:p>
+        </p:txBody>
+      </p:sp>
+      <p:sp>
+        <p:nvSpPr>
+          <p:cNvPr id="9" name="Content Placeholder 8"/>
+          <p:cNvSpPr>
+            <a:spLocks noGrp="1"/>
+          </p:cNvSpPr>
+          <p:nvPr>
+            <p:ph sz="quarter" idx="4"/>
+          </p:nvPr>
+        </p:nvSpPr>
+        <p:spPr/>
+        <p:txBody>
+          <a:bodyPr>
+            <a:normAutofit fontScale="77500" lnSpcReduction="20000"/>
+          </a:bodyPr>
+          <a:lstStyle/>
+          <a:p>
+            <a:r>
+              <a:rPr lang="en-US" dirty="0" smtClean="0"/>
+              <a:t>CRM Salesforce.com</a:t>
+            </a:r>
+          </a:p>
+          <a:p>
+            <a:pPr lvl="1"/>
+            <a:r>
+              <a:rPr lang="ru-RU" dirty="0" smtClean="0"/>
+              <a:t>На 65% уменьшение персонала на проекте</a:t>
+            </a:r>
+          </a:p>
+          <a:p>
+            <a:pPr lvl="1"/>
+            <a:r>
+              <a:rPr lang="ru-RU" dirty="0" smtClean="0"/>
+              <a:t>Финальное тестирование</a:t>
+            </a:r>
+            <a:r>
+              <a:rPr lang="en-US" dirty="0" smtClean="0"/>
+              <a:t>: 2-3 </a:t>
+            </a:r>
+            <a:r>
+              <a:rPr lang="ru-RU" dirty="0" smtClean="0"/>
+              <a:t>часа ручного тестирования стали 10 минут автоматизированного</a:t>
+            </a:r>
+          </a:p>
+          <a:p>
+            <a:pPr lvl="1"/>
+            <a:r>
+              <a:rPr lang="ru-RU" dirty="0" smtClean="0"/>
+              <a:t>Надежные выпуски</a:t>
+            </a:r>
+            <a:r>
+              <a:rPr lang="en-US" dirty="0" smtClean="0"/>
+              <a:t>: </a:t>
+            </a:r>
+            <a:r>
+              <a:rPr lang="en-US" dirty="0"/>
+              <a:t>2-3 </a:t>
+            </a:r>
+            <a:r>
+              <a:rPr lang="ru-RU" dirty="0"/>
+              <a:t>часа ручного тестирования стали </a:t>
+            </a:r>
+            <a:r>
+              <a:rPr lang="en-US" dirty="0" smtClean="0"/>
+              <a:t>45</a:t>
+            </a:r>
+            <a:r>
+              <a:rPr lang="ru-RU" dirty="0" smtClean="0"/>
+              <a:t> </a:t>
+            </a:r>
+            <a:r>
+              <a:rPr lang="ru-RU" dirty="0"/>
+              <a:t>минут </a:t>
+            </a:r>
+            <a:r>
+              <a:rPr lang="ru-RU" dirty="0" smtClean="0"/>
+              <a:t>автоматизированного</a:t>
+            </a:r>
+            <a:r>
+              <a:rPr lang="en-US" dirty="0" smtClean="0"/>
+              <a:t> </a:t>
+            </a:r>
+            <a:r>
+              <a:rPr lang="ru-RU" dirty="0" smtClean="0"/>
+              <a:t>для прогона 200 тестов</a:t>
+            </a:r>
+          </a:p>
+          <a:p>
+            <a:pPr lvl="1"/>
+            <a:r>
+              <a:rPr lang="ru-RU" dirty="0" smtClean="0"/>
+              <a:t>На 20% </a:t>
+            </a:r>
+            <a:r>
+              <a:rPr lang="ru-RU" dirty="0"/>
+              <a:t>уменьшение персонала на </a:t>
+            </a:r>
+            <a:r>
+              <a:rPr lang="ru-RU" dirty="0" smtClean="0"/>
+              <a:t>правке дефектов</a:t>
+            </a:r>
+          </a:p>
+          <a:p>
+            <a:pPr lvl="1"/>
+            <a:r>
+              <a:rPr lang="ru-RU" dirty="0" smtClean="0"/>
+              <a:t>Сэкономлено 300 чел. часов на выпуск основной версии</a:t>
+            </a:r>
+            <a:endParaRPr lang="en-US" dirty="0"/>
+          </a:p>
+        </p:txBody>
+      </p:sp>
+      <p:sp>
+        <p:nvSpPr>
+          <p:cNvPr id="10" name="Text Placeholder 9"/>
+          <p:cNvSpPr>
+            <a:spLocks noGrp="1"/>
+          </p:cNvSpPr>
+          <p:nvPr>
+            <p:ph type="body" sz="quarter" idx="13"/>
+          </p:nvPr>
+        </p:nvSpPr>
+        <p:spPr/>
+        <p:txBody>
+          <a:bodyPr/>
+          <a:lstStyle/>
+          <a:p>
+            <a:r>
+              <a:rPr lang="ru-RU" dirty="0" smtClean="0"/>
+              <a:t>Профит</a:t>
+            </a:r>
+            <a:endParaRPr lang="en-US" dirty="0"/>
+          </a:p>
+        </p:txBody>
+      </p:sp>
+      <p:sp>
+        <p:nvSpPr>
+          <p:cNvPr id="4" name="Title 3"/>
           <p:cNvSpPr>
             <a:spLocks noGrp="1"/>
           </p:cNvSpPr>
@@ -3637,59 +3843,12 @@
           <a:lstStyle/>
           <a:p>
             <a:r>
-              <a:rPr lang="ru-RU" dirty="0" smtClean="0"/>
-              <a:t>Почему тестирование в конце не эффективно</a:t>
-            </a:r>
-            <a:r>
-              <a:rPr lang="en-US" dirty="0" smtClean="0"/>
-              <a:t>?</a:t>
-            </a:r>
-            <a:endParaRPr lang="en-US" dirty="0"/>
-          </a:p>
-        </p:txBody>
-      </p:sp>
-      <p:sp>
-        <p:nvSpPr>
-          <p:cNvPr id="7" name="Content Placeholder 6"/>
-          <p:cNvSpPr>
-            <a:spLocks noGrp="1"/>
-          </p:cNvSpPr>
-          <p:nvPr>
-            <p:ph idx="1"/>
-          </p:nvPr>
-        </p:nvSpPr>
-        <p:spPr/>
-        <p:txBody>
-          <a:bodyPr/>
-          <a:lstStyle/>
-          <a:p>
-            <a:r>
-              <a:rPr lang="ru-RU" dirty="0" smtClean="0"/>
-              <a:t>Трудно повысить качество уже существующего продукта ощутимо для заказчика. Но легко продемонстрировать его потерю.</a:t>
-            </a:r>
-          </a:p>
-          <a:p>
-            <a:r>
-              <a:rPr lang="ru-RU" dirty="0" smtClean="0"/>
-              <a:t>Ошибки проверяемые в конце остаются незамеченными</a:t>
-            </a:r>
-          </a:p>
-          <a:p>
-            <a:r>
-              <a:rPr lang="ru-RU" dirty="0" smtClean="0"/>
-              <a:t>Трудно оценить текущее состояние проекта</a:t>
-            </a:r>
-          </a:p>
-          <a:p>
-            <a:r>
-              <a:rPr lang="ru-RU" dirty="0" smtClean="0"/>
-              <a:t>Невозможно получить обратную связь</a:t>
-            </a:r>
-          </a:p>
-          <a:p>
-            <a:r>
-              <a:rPr lang="ru-RU" dirty="0" smtClean="0"/>
-              <a:t>Повышается вероятность сокращения тестирования</a:t>
+              <a:rPr lang="ru-RU" dirty="0"/>
+              <a:t>Сколько </a:t>
+            </a:r>
+            <a:r>
+              <a:rPr lang="ru-RU" dirty="0" smtClean="0"/>
+              <a:t>стоит?</a:t>
             </a:r>
             <a:endParaRPr lang="en-US" dirty="0"/>
           </a:p>
@@ -3698,7 +3857,7 @@
     </p:spTree>
     <p:extLst>
       <p:ext uri="{BB962C8B-B14F-4D97-AF65-F5344CB8AC3E}">
-        <p14:creationId xmlns:p14="http://schemas.microsoft.com/office/powerpoint/2010/main" val="2809784247"/>
+        <p14:creationId xmlns:p14="http://schemas.microsoft.com/office/powerpoint/2010/main" val="605139068"/>
       </p:ext>
     </p:extLst>
   </p:cSld>
@@ -3734,35 +3893,12 @@
       </p:grpSpPr>
       <p:sp>
         <p:nvSpPr>
-          <p:cNvPr id="7" name="Text Placeholder 6"/>
-          <p:cNvSpPr>
-            <a:spLocks noGrp="1"/>
-          </p:cNvSpPr>
-          <p:nvPr>
-            <p:ph type="body" idx="1"/>
-          </p:nvPr>
-        </p:nvSpPr>
-        <p:spPr/>
-        <p:txBody>
-          <a:bodyPr/>
-          <a:lstStyle/>
-          <a:p>
-            <a:r>
-              <a:rPr lang="ru-RU" dirty="0" smtClean="0"/>
-              <a:t>Затраты</a:t>
-            </a:r>
-            <a:endParaRPr lang="ru-RU" dirty="0"/>
-          </a:p>
-        </p:txBody>
-      </p:sp>
-      <p:sp>
-        <p:nvSpPr>
-          <p:cNvPr id="8" name="Content Placeholder 7"/>
-          <p:cNvSpPr>
-            <a:spLocks noGrp="1"/>
-          </p:cNvSpPr>
-          <p:nvPr>
-            <p:ph sz="half" idx="2"/>
+          <p:cNvPr id="2" name="Title 1"/>
+          <p:cNvSpPr>
+            <a:spLocks noGrp="1"/>
+          </p:cNvSpPr>
+          <p:nvPr>
+            <p:ph type="title"/>
           </p:nvPr>
         </p:nvSpPr>
         <p:spPr/>
@@ -3773,197 +3909,89 @@
           <a:lstStyle/>
           <a:p>
             <a:r>
+              <a:rPr lang="ru-RU" dirty="0" smtClean="0"/>
+              <a:t>Имена и расположение</a:t>
+            </a:r>
+            <a:endParaRPr lang="en-US" dirty="0"/>
+          </a:p>
+        </p:txBody>
+      </p:sp>
+      <p:sp>
+        <p:nvSpPr>
+          <p:cNvPr id="3" name="Content Placeholder 2"/>
+          <p:cNvSpPr>
+            <a:spLocks noGrp="1"/>
+          </p:cNvSpPr>
+          <p:nvPr>
+            <p:ph idx="1"/>
+          </p:nvPr>
+        </p:nvSpPr>
+        <p:spPr/>
+        <p:txBody>
+          <a:bodyPr>
+            <a:normAutofit/>
+          </a:bodyPr>
+          <a:lstStyle/>
+          <a:p>
+            <a:r>
+              <a:rPr lang="ru-RU" dirty="0" smtClean="0"/>
+              <a:t>Имя теста – как имя компонента + </a:t>
+            </a:r>
+            <a:r>
+              <a:rPr lang="en-US" dirty="0" err="1" smtClean="0"/>
+              <a:t>test.tsx</a:t>
+            </a:r>
+            <a:r>
               <a:rPr lang="en-US" dirty="0" smtClean="0"/>
-              <a:t>TDD</a:t>
+              <a:t>.</a:t>
             </a:r>
           </a:p>
           <a:p>
             <a:pPr lvl="1"/>
             <a:r>
+              <a:rPr lang="en-US" dirty="0" err="1" smtClean="0"/>
+              <a:t>CheckboxWithLabel.test.tsx</a:t>
+            </a:r>
+            <a:endParaRPr lang="en-US" dirty="0" smtClean="0"/>
+          </a:p>
+          <a:p>
+            <a:r>
+              <a:rPr lang="ru-RU" dirty="0" smtClean="0"/>
+              <a:t>Расположение – рядом с проверяемым кодом.</a:t>
+            </a:r>
+          </a:p>
+          <a:p>
+            <a:pPr lvl="1"/>
+            <a:r>
+              <a:rPr lang="ru-RU" dirty="0" smtClean="0"/>
+              <a:t>В подпапке </a:t>
+            </a:r>
+            <a:r>
               <a:rPr lang="en-US" dirty="0" smtClean="0"/>
-              <a:t>~15% </a:t>
-            </a:r>
-            <a:r>
-              <a:rPr lang="ru-RU" dirty="0" smtClean="0"/>
-              <a:t>увеличение затрат на разработку</a:t>
+              <a:t>__</a:t>
+            </a:r>
+            <a:r>
+              <a:rPr lang="en-US" dirty="0"/>
+              <a:t>tests</a:t>
+            </a:r>
+            <a:r>
+              <a:rPr lang="en-US" dirty="0" smtClean="0"/>
+              <a:t>__</a:t>
             </a:r>
           </a:p>
           <a:p>
             <a:pPr lvl="1"/>
             <a:r>
               <a:rPr lang="ru-RU" dirty="0" smtClean="0"/>
-              <a:t>24-38% сокращение количества обнаруженных ошибок</a:t>
-            </a:r>
-            <a:endParaRPr lang="en-US" dirty="0"/>
-          </a:p>
-        </p:txBody>
-      </p:sp>
-      <p:sp>
-        <p:nvSpPr>
-          <p:cNvPr id="9" name="Content Placeholder 8"/>
-          <p:cNvSpPr>
-            <a:spLocks noGrp="1"/>
-          </p:cNvSpPr>
-          <p:nvPr>
-            <p:ph sz="quarter" idx="4"/>
-          </p:nvPr>
-        </p:nvSpPr>
-        <p:spPr/>
-        <p:txBody>
-          <a:bodyPr>
-            <a:normAutofit fontScale="77500" lnSpcReduction="20000"/>
-          </a:bodyPr>
-          <a:lstStyle/>
-          <a:p>
-            <a:r>
-              <a:rPr lang="en-US" dirty="0" smtClean="0"/>
-              <a:t>CRM Salesforce.com</a:t>
-            </a:r>
-          </a:p>
-          <a:p>
-            <a:pPr lvl="1"/>
-            <a:r>
-              <a:rPr lang="ru-RU" dirty="0" smtClean="0"/>
-              <a:t>На 65% уменьшение персонала на проекте</a:t>
-            </a:r>
-          </a:p>
-          <a:p>
-            <a:pPr lvl="1"/>
-            <a:r>
-              <a:rPr lang="ru-RU" dirty="0" smtClean="0"/>
-              <a:t>Финальное тестирование</a:t>
-            </a:r>
-            <a:r>
-              <a:rPr lang="en-US" dirty="0" smtClean="0"/>
-              <a:t>: 2-3 </a:t>
-            </a:r>
-            <a:r>
-              <a:rPr lang="ru-RU" dirty="0" smtClean="0"/>
-              <a:t>часа ручного тестирования стали 10 минут автоматизированного</a:t>
-            </a:r>
-          </a:p>
-          <a:p>
-            <a:pPr lvl="1"/>
-            <a:r>
-              <a:rPr lang="ru-RU" dirty="0" smtClean="0"/>
-              <a:t>Надежные выпуски</a:t>
-            </a:r>
-            <a:r>
-              <a:rPr lang="en-US" dirty="0" smtClean="0"/>
-              <a:t>: </a:t>
-            </a:r>
-            <a:r>
-              <a:rPr lang="en-US" dirty="0"/>
-              <a:t>2-3 </a:t>
-            </a:r>
-            <a:r>
-              <a:rPr lang="ru-RU" dirty="0"/>
-              <a:t>часа ручного тестирования стали </a:t>
-            </a:r>
-            <a:r>
-              <a:rPr lang="en-US" dirty="0" smtClean="0"/>
-              <a:t>45</a:t>
-            </a:r>
-            <a:r>
-              <a:rPr lang="ru-RU" dirty="0" smtClean="0"/>
-              <a:t> </a:t>
-            </a:r>
-            <a:r>
-              <a:rPr lang="ru-RU" dirty="0"/>
-              <a:t>минут </a:t>
-            </a:r>
-            <a:r>
-              <a:rPr lang="ru-RU" dirty="0" smtClean="0"/>
-              <a:t>автоматизированного</a:t>
-            </a:r>
-            <a:r>
-              <a:rPr lang="en-US" dirty="0" smtClean="0"/>
-              <a:t> </a:t>
-            </a:r>
-            <a:r>
-              <a:rPr lang="ru-RU" dirty="0" smtClean="0"/>
-              <a:t>для прогона 200 тестов</a:t>
-            </a:r>
-          </a:p>
-          <a:p>
-            <a:pPr lvl="1"/>
-            <a:r>
-              <a:rPr lang="ru-RU" dirty="0" smtClean="0"/>
-              <a:t>На 20% </a:t>
-            </a:r>
-            <a:r>
-              <a:rPr lang="ru-RU" dirty="0"/>
-              <a:t>уменьшение персонала на </a:t>
-            </a:r>
-            <a:r>
-              <a:rPr lang="ru-RU" dirty="0" smtClean="0"/>
-              <a:t>правке дефектов</a:t>
-            </a:r>
-          </a:p>
-          <a:p>
-            <a:pPr lvl="1"/>
-            <a:r>
-              <a:rPr lang="ru-RU" dirty="0" smtClean="0"/>
-              <a:t>Сэкономлено 300 чел. часов на выпуск основной версии</a:t>
-            </a:r>
-            <a:endParaRPr lang="en-US" dirty="0"/>
-          </a:p>
-        </p:txBody>
-      </p:sp>
-      <p:sp>
-        <p:nvSpPr>
-          <p:cNvPr id="10" name="Text Placeholder 9"/>
-          <p:cNvSpPr>
-            <a:spLocks noGrp="1"/>
-          </p:cNvSpPr>
-          <p:nvPr>
-            <p:ph type="body" sz="quarter" idx="13"/>
-          </p:nvPr>
-        </p:nvSpPr>
-        <p:spPr/>
-        <p:txBody>
-          <a:bodyPr/>
-          <a:lstStyle/>
-          <a:p>
-            <a:r>
-              <a:rPr lang="ru-RU" dirty="0" smtClean="0"/>
-              <a:t>Профит</a:t>
-            </a:r>
-            <a:endParaRPr lang="en-US" dirty="0"/>
-          </a:p>
-        </p:txBody>
-      </p:sp>
-      <p:sp>
-        <p:nvSpPr>
-          <p:cNvPr id="4" name="Title 3"/>
-          <p:cNvSpPr>
-            <a:spLocks noGrp="1"/>
-          </p:cNvSpPr>
-          <p:nvPr>
-            <p:ph type="title"/>
-          </p:nvPr>
-        </p:nvSpPr>
-        <p:spPr/>
-        <p:txBody>
-          <a:bodyPr/>
-          <a:lstStyle/>
-          <a:p>
-            <a:r>
-              <a:rPr lang="ru-RU" dirty="0"/>
-              <a:t>Сколько </a:t>
-            </a:r>
-            <a:r>
-              <a:rPr lang="ru-RU" dirty="0" smtClean="0"/>
-              <a:t>стоит?</a:t>
-            </a:r>
-            <a:endParaRPr lang="en-US" dirty="0"/>
+              <a:t>В той же папке</a:t>
+            </a:r>
           </a:p>
         </p:txBody>
       </p:sp>
     </p:spTree>
     <p:extLst>
       <p:ext uri="{BB962C8B-B14F-4D97-AF65-F5344CB8AC3E}">
-        <p14:creationId xmlns:p14="http://schemas.microsoft.com/office/powerpoint/2010/main" val="605139068"/>
+        <p14:creationId xmlns:p14="http://schemas.microsoft.com/office/powerpoint/2010/main" val="222611038"/>
       </p:ext>
     </p:extLst>
   </p:cSld>
@@ -4016,7 +4044,7 @@
           <a:p>
             <a:r>
               <a:rPr lang="ru-RU" dirty="0" smtClean="0"/>
-              <a:t>Имена и расположение</a:t>
+              <a:t>Описание</a:t>
             </a:r>
             <a:endParaRPr lang="en-US" dirty="0"/>
           </a:p>
@@ -4041,63 +4069,86 @@
           <a:p>
             <a:r>
               <a:rPr lang="ru-RU" dirty="0" smtClean="0"/>
-              <a:t>Имя теста – как имя компонента + </a:t>
+              <a:t>Имя компонента который тестируем</a:t>
+            </a:r>
+          </a:p>
+          <a:p>
+            <a:pPr lvl="1"/>
+            <a:r>
+              <a:rPr lang="en-US" dirty="0" smtClean="0"/>
+              <a:t>describe</a:t>
+            </a:r>
+            <a:r>
+              <a:rPr lang="en-US" dirty="0"/>
+              <a:t>("&lt;Link /&gt;", () =&gt; {</a:t>
+            </a:r>
+          </a:p>
+          <a:p>
+            <a:r>
+              <a:rPr lang="ru-RU" dirty="0" smtClean="0"/>
+              <a:t>Что мы делаем и чего ожидать в результате</a:t>
+            </a:r>
+          </a:p>
+          <a:p>
+            <a:pPr lvl="1"/>
+            <a:r>
+              <a:rPr lang="en-US" dirty="0" smtClean="0"/>
+              <a:t>it</a:t>
+            </a:r>
+            <a:r>
+              <a:rPr lang="en-US" dirty="0"/>
+              <a:t>("renders without crashing", () =&gt; {</a:t>
+            </a:r>
+          </a:p>
+          <a:p>
+            <a:pPr lvl="1"/>
+            <a:r>
+              <a:rPr lang="en-US" dirty="0"/>
+              <a:t>it("should changes the class when hovered", () =&gt; </a:t>
+            </a:r>
+            <a:r>
+              <a:rPr lang="en-US" dirty="0" smtClean="0"/>
+              <a:t>{</a:t>
+            </a:r>
+            <a:endParaRPr lang="ru-RU" dirty="0" smtClean="0"/>
+          </a:p>
+          <a:p>
+            <a:r>
+              <a:rPr lang="en-US" dirty="0" smtClean="0"/>
+              <a:t>it =&gt; </a:t>
             </a:r>
             <a:r>
               <a:rPr lang="en-US" dirty="0" err="1" smtClean="0"/>
-              <a:t>test.tsx</a:t>
+              <a:t>xit</a:t>
             </a:r>
             <a:r>
               <a:rPr lang="en-US" dirty="0" smtClean="0"/>
-              <a:t>.</a:t>
-            </a:r>
-          </a:p>
-          <a:p>
-            <a:pPr lvl="1"/>
-            <a:r>
-              <a:rPr lang="en-US" dirty="0" err="1" smtClean="0"/>
-              <a:t>CheckboxWithLabel.test.tsx</a:t>
-            </a:r>
-            <a:endParaRPr lang="en-US" dirty="0" smtClean="0"/>
-          </a:p>
-          <a:p>
-            <a:r>
-              <a:rPr lang="ru-RU" dirty="0" smtClean="0"/>
-              <a:t>Расположение – рядом с проверяемым кодом.</a:t>
-            </a:r>
-          </a:p>
-          <a:p>
-            <a:pPr lvl="1"/>
-            <a:r>
-              <a:rPr lang="ru-RU" dirty="0" smtClean="0"/>
-              <a:t>В подпапке </a:t>
-            </a:r>
-            <a:r>
-              <a:rPr lang="en-US" dirty="0" smtClean="0"/>
-              <a:t>__</a:t>
-            </a:r>
+              <a:t> </a:t>
+            </a:r>
+            <a:r>
+              <a:rPr lang="ru-RU" dirty="0" smtClean="0"/>
+              <a:t>игнорировать тест</a:t>
+            </a:r>
+          </a:p>
+          <a:p>
             <a:r>
               <a:rPr lang="en-US" dirty="0"/>
-              <a:t>tests</a:t>
-            </a:r>
-            <a:r>
-              <a:rPr lang="en-US" dirty="0" smtClean="0"/>
-              <a:t>__</a:t>
-            </a:r>
-          </a:p>
-          <a:p>
-            <a:pPr lvl="1"/>
-            <a:r>
-              <a:rPr lang="ru-RU" dirty="0" smtClean="0"/>
-              <a:t>В той же папке</a:t>
-            </a:r>
+              <a:t>it =&gt; fit </a:t>
+            </a:r>
+            <a:r>
+              <a:rPr lang="ru-RU" dirty="0" smtClean="0"/>
+              <a:t>выполнить первым</a:t>
+            </a:r>
+          </a:p>
+          <a:p>
+            <a:endParaRPr lang="en-US" dirty="0"/>
           </a:p>
         </p:txBody>
       </p:sp>
     </p:spTree>
     <p:extLst>
       <p:ext uri="{BB962C8B-B14F-4D97-AF65-F5344CB8AC3E}">
-        <p14:creationId xmlns:p14="http://schemas.microsoft.com/office/powerpoint/2010/main" val="222611038"/>
+        <p14:creationId xmlns:p14="http://schemas.microsoft.com/office/powerpoint/2010/main" val="2068831613"/>
       </p:ext>
     </p:extLst>
   </p:cSld>
@@ -4150,7 +4201,11 @@
           <a:p>
             <a:r>
               <a:rPr lang="ru-RU" dirty="0" smtClean="0"/>
-              <a:t>Описание</a:t>
+              <a:t>Что </a:t>
+            </a:r>
+            <a:r>
+              <a:rPr lang="ru-RU" dirty="0"/>
+              <a:t>тестировать</a:t>
             </a:r>
             <a:endParaRPr lang="en-US" dirty="0"/>
           </a:p>
@@ -4169,82 +4224,96 @@
         <p:spPr/>
         <p:txBody>
           <a:bodyPr>
-            <a:normAutofit/>
+            <a:normAutofit fontScale="85000" lnSpcReduction="20000"/>
           </a:bodyPr>
           <a:lstStyle/>
           <a:p>
             <a:r>
               <a:rPr lang="ru-RU" dirty="0" smtClean="0"/>
-              <a:t>Имя компонента который тестируем</a:t>
+              <a:t>Результат рендера</a:t>
             </a:r>
           </a:p>
           <a:p>
             <a:pPr lvl="1"/>
             <a:r>
+              <a:rPr lang="en-US" dirty="0"/>
+              <a:t>Smoke test. </a:t>
+            </a:r>
+            <a:r>
+              <a:rPr lang="ru-RU" dirty="0"/>
+              <a:t>Минимальный и простой тест – проверить что на параметрах по умолчанию компонент корректно </a:t>
+            </a:r>
+            <a:r>
+              <a:rPr lang="ru-RU" dirty="0" err="1"/>
+              <a:t>рендерится</a:t>
+            </a:r>
+            <a:r>
+              <a:rPr lang="ru-RU" dirty="0" smtClean="0"/>
+              <a:t>.</a:t>
+            </a:r>
+          </a:p>
+          <a:p>
+            <a:pPr lvl="1"/>
+            <a:r>
               <a:rPr lang="en-US" dirty="0" smtClean="0"/>
-              <a:t>describe</a:t>
-            </a:r>
-            <a:r>
-              <a:rPr lang="en-US" dirty="0"/>
-              <a:t>("&lt;Link /&gt;", () =&gt; {</a:t>
-            </a:r>
-          </a:p>
-          <a:p>
-            <a:r>
-              <a:rPr lang="ru-RU" dirty="0" smtClean="0"/>
-              <a:t>Что мы делаем и чего ожидать в результате</a:t>
-            </a:r>
+              <a:t>Snapshot test</a:t>
+            </a:r>
+            <a:endParaRPr lang="ru-RU" dirty="0" smtClean="0"/>
+          </a:p>
+          <a:p>
+            <a:r>
+              <a:rPr lang="ru-RU" dirty="0" smtClean="0"/>
+              <a:t>Поведение </a:t>
+            </a:r>
+            <a:r>
+              <a:rPr lang="ru-RU" dirty="0" smtClean="0"/>
+              <a:t>компонента</a:t>
+            </a:r>
+            <a:endParaRPr lang="en-US" dirty="0" smtClean="0"/>
           </a:p>
           <a:p>
             <a:pPr lvl="1"/>
             <a:r>
+              <a:rPr lang="ru-RU" dirty="0" smtClean="0"/>
+              <a:t>События</a:t>
+            </a:r>
+          </a:p>
+          <a:p>
+            <a:pPr lvl="1"/>
+            <a:r>
+              <a:rPr lang="ru-RU" dirty="0" smtClean="0"/>
+              <a:t>Граничные случаи. Например граничные случаи массивов</a:t>
+            </a:r>
+            <a:r>
               <a:rPr lang="en-US" dirty="0" smtClean="0"/>
-              <a:t>it</a:t>
-            </a:r>
-            <a:r>
-              <a:rPr lang="en-US" dirty="0"/>
-              <a:t>("renders without crashing", () =&gt; {</a:t>
+              <a:t>:</a:t>
+            </a:r>
+            <a:endParaRPr lang="ru-RU" dirty="0" smtClean="0"/>
+          </a:p>
+          <a:p>
+            <a:pPr lvl="2"/>
+            <a:r>
+              <a:rPr lang="ru-RU" dirty="0" smtClean="0"/>
+              <a:t>пустой массив</a:t>
+            </a:r>
+          </a:p>
+          <a:p>
+            <a:pPr lvl="2"/>
+            <a:r>
+              <a:rPr lang="ru-RU" dirty="0" smtClean="0"/>
+              <a:t>массив с одним элементов</a:t>
+            </a:r>
+          </a:p>
+          <a:p>
+            <a:pPr lvl="2"/>
+            <a:r>
+              <a:rPr lang="ru-RU" dirty="0" smtClean="0"/>
+              <a:t>массив разбитый по страницам так, что страница не может содержать больше 25 элементов</a:t>
             </a:r>
           </a:p>
           <a:p>
             <a:pPr lvl="1"/>
-            <a:r>
-              <a:rPr lang="en-US" dirty="0"/>
-              <a:t>it("should changes the class when hovered", () =&gt; </a:t>
-            </a:r>
-            <a:r>
-              <a:rPr lang="en-US" dirty="0" smtClean="0"/>
-              <a:t>{</a:t>
-            </a:r>
             <a:endParaRPr lang="ru-RU" dirty="0" smtClean="0"/>
-          </a:p>
-          <a:p>
-            <a:r>
-              <a:rPr lang="en-US" dirty="0" smtClean="0"/>
-              <a:t>it =&gt; </a:t>
-            </a:r>
-            <a:r>
-              <a:rPr lang="en-US" dirty="0" err="1" smtClean="0"/>
-              <a:t>xit</a:t>
-            </a:r>
-            <a:r>
-              <a:rPr lang="en-US" dirty="0" smtClean="0"/>
-              <a:t> </a:t>
-            </a:r>
-            <a:r>
-              <a:rPr lang="ru-RU" dirty="0" smtClean="0"/>
-              <a:t>игнорировать тест</a:t>
-            </a:r>
-          </a:p>
-          <a:p>
-            <a:r>
-              <a:rPr lang="en-US" dirty="0"/>
-              <a:t>it =&gt; fit </a:t>
-            </a:r>
-            <a:r>
-              <a:rPr lang="ru-RU" dirty="0" smtClean="0"/>
-              <a:t>выполнить первым</a:t>
-            </a:r>
           </a:p>
           <a:p>
             <a:endParaRPr lang="en-US" dirty="0"/>
@@ -4254,7 +4323,7 @@
     </p:spTree>
     <p:extLst>
       <p:ext uri="{BB962C8B-B14F-4D97-AF65-F5344CB8AC3E}">
-        <p14:creationId xmlns:p14="http://schemas.microsoft.com/office/powerpoint/2010/main" val="2068831613"/>
+        <p14:creationId xmlns:p14="http://schemas.microsoft.com/office/powerpoint/2010/main" val="450573939"/>
       </p:ext>
     </p:extLst>
   </p:cSld>
@@ -4329,48 +4398,53 @@
         </p:nvSpPr>
         <p:spPr/>
         <p:txBody>
-          <a:bodyPr/>
-          <a:lstStyle/>
-          <a:p>
-            <a:r>
-              <a:rPr lang="ru-RU" dirty="0" smtClean="0"/>
-              <a:t>Результат рендера</a:t>
-            </a:r>
+          <a:bodyPr>
+            <a:normAutofit/>
+          </a:bodyPr>
+          <a:lstStyle/>
+          <a:p>
+            <a:r>
+              <a:rPr lang="ru-RU" dirty="0" smtClean="0"/>
+              <a:t>Тестировать нужно компоненты в изоляции</a:t>
+            </a:r>
+            <a:r>
+              <a:rPr lang="en-US" dirty="0" smtClean="0"/>
+              <a:t> (shallow)</a:t>
+            </a:r>
+            <a:endParaRPr lang="ru-RU" dirty="0" smtClean="0"/>
           </a:p>
           <a:p>
             <a:pPr lvl="1"/>
             <a:r>
-              <a:rPr lang="en-US" dirty="0"/>
-              <a:t>Smoke test. </a:t>
-            </a:r>
-            <a:r>
-              <a:rPr lang="ru-RU" dirty="0"/>
-              <a:t>Минимальный и простой тест – проверить что на параметрах по умолчанию компонент корректно </a:t>
-            </a:r>
-            <a:r>
-              <a:rPr lang="ru-RU" dirty="0" err="1"/>
-              <a:t>рендерится</a:t>
-            </a:r>
-            <a:r>
-              <a:rPr lang="ru-RU" dirty="0" smtClean="0"/>
-              <a:t>.</a:t>
+              <a:rPr lang="ru-RU" dirty="0" smtClean="0"/>
+              <a:t>Без декораторов</a:t>
             </a:r>
           </a:p>
           <a:p>
             <a:pPr lvl="1"/>
             <a:r>
-              <a:rPr lang="en-US" dirty="0" smtClean="0"/>
-              <a:t>Snapshot test</a:t>
-            </a:r>
-            <a:endParaRPr lang="ru-RU" dirty="0" smtClean="0"/>
-          </a:p>
-          <a:p>
-            <a:r>
-              <a:rPr lang="ru-RU" dirty="0" smtClean="0"/>
-              <a:t>Поведение компонента</a:t>
-            </a:r>
-          </a:p>
-          <a:p>
+              <a:rPr lang="ru-RU" dirty="0" smtClean="0"/>
+              <a:t>Без дочерних компонентов</a:t>
+            </a:r>
+          </a:p>
+          <a:p>
+            <a:pPr lvl="1"/>
+            <a:r>
+              <a:rPr lang="ru-RU" dirty="0" smtClean="0"/>
+              <a:t>Принцип единственности ответственности</a:t>
+            </a:r>
+          </a:p>
+          <a:p>
+            <a:r>
+              <a:rPr lang="ru-RU" dirty="0" smtClean="0"/>
+              <a:t>Ожидаемый и проверяемый результаты должны быть понятны и тестируемы</a:t>
+            </a:r>
+          </a:p>
+          <a:p>
+            <a:r>
+              <a:rPr lang="ru-RU" dirty="0" smtClean="0"/>
+              <a:t>Тест должен описывать что делает система, а не как она это делает</a:t>
+            </a:r>
             <a:endParaRPr lang="en-US" dirty="0"/>
           </a:p>
         </p:txBody>
@@ -4378,7 +4452,7 @@
     </p:spTree>
     <p:extLst>
       <p:ext uri="{BB962C8B-B14F-4D97-AF65-F5344CB8AC3E}">
-        <p14:creationId xmlns:p14="http://schemas.microsoft.com/office/powerpoint/2010/main" val="450573939"/>
+        <p14:creationId xmlns:p14="http://schemas.microsoft.com/office/powerpoint/2010/main" val="1923157575"/>
       </p:ext>
     </p:extLst>
   </p:cSld>
@@ -4429,135 +4503,6 @@
           </a:bodyPr>
           <a:lstStyle/>
           <a:p>
-            <a:r>
-              <a:rPr lang="ru-RU" dirty="0" smtClean="0"/>
-              <a:t>Что </a:t>
-            </a:r>
-            <a:r>
-              <a:rPr lang="ru-RU" dirty="0"/>
-              <a:t>тестировать</a:t>
-            </a:r>
-            <a:endParaRPr lang="en-US" dirty="0"/>
-          </a:p>
-        </p:txBody>
-      </p:sp>
-      <p:sp>
-        <p:nvSpPr>
-          <p:cNvPr id="3" name="Content Placeholder 2"/>
-          <p:cNvSpPr>
-            <a:spLocks noGrp="1"/>
-          </p:cNvSpPr>
-          <p:nvPr>
-            <p:ph idx="1"/>
-          </p:nvPr>
-        </p:nvSpPr>
-        <p:spPr/>
-        <p:txBody>
-          <a:bodyPr>
-            <a:normAutofit/>
-          </a:bodyPr>
-          <a:lstStyle/>
-          <a:p>
-            <a:r>
-              <a:rPr lang="ru-RU" dirty="0" smtClean="0"/>
-              <a:t>Тестировать нужно компоненты в изоляции</a:t>
-            </a:r>
-            <a:r>
-              <a:rPr lang="en-US" dirty="0" smtClean="0"/>
-              <a:t> (shallow)</a:t>
-            </a:r>
-            <a:endParaRPr lang="ru-RU" dirty="0" smtClean="0"/>
-          </a:p>
-          <a:p>
-            <a:pPr lvl="1"/>
-            <a:r>
-              <a:rPr lang="ru-RU" dirty="0" smtClean="0"/>
-              <a:t>Без декораторов</a:t>
-            </a:r>
-          </a:p>
-          <a:p>
-            <a:pPr lvl="1"/>
-            <a:r>
-              <a:rPr lang="ru-RU" dirty="0" smtClean="0"/>
-              <a:t>Без дочерних компонентов</a:t>
-            </a:r>
-          </a:p>
-          <a:p>
-            <a:pPr lvl="1"/>
-            <a:r>
-              <a:rPr lang="ru-RU" dirty="0" smtClean="0"/>
-              <a:t>Принцип единственности ответственности</a:t>
-            </a:r>
-          </a:p>
-          <a:p>
-            <a:r>
-              <a:rPr lang="ru-RU" dirty="0" smtClean="0"/>
-              <a:t>Ожидаемый и проверяемый результаты должны быть понятны и тестируемы</a:t>
-            </a:r>
-          </a:p>
-          <a:p>
-            <a:r>
-              <a:rPr lang="ru-RU" dirty="0" smtClean="0"/>
-              <a:t>Тест должен описывать что делает система, а не как она это делает</a:t>
-            </a:r>
-            <a:endParaRPr lang="en-US" dirty="0"/>
-          </a:p>
-        </p:txBody>
-      </p:sp>
-    </p:spTree>
-    <p:extLst>
-      <p:ext uri="{BB962C8B-B14F-4D97-AF65-F5344CB8AC3E}">
-        <p14:creationId xmlns:p14="http://schemas.microsoft.com/office/powerpoint/2010/main" val="1923157575"/>
-      </p:ext>
-    </p:extLst>
-  </p:cSld>
-  <p:clrMapOvr>
-    <a:masterClrMapping/>
-  </p:clrMapOvr>
-  <p:timing>
-    <p:tnLst>
-      <p:par>
-        <p:cTn id="1" dur="indefinite" restart="never" nodeType="tmRoot"/>
-      </p:par>
-    </p:tnLst>
-  </p:timing>
-</p:sld>
-</file>
-
-<file path=ppt/slides/slide18.xml><?xml version="1.0" encoding="utf-8"?>
-<p:sld xmlns:a="http://schemas.openxmlformats.org/drawingml/2006/main" xmlns:r="http://schemas.openxmlformats.org/officeDocument/2006/relationships" xmlns:p="http://schemas.openxmlformats.org/presentationml/2006/main">
-  <p:cSld>
-    <p:spTree>
-      <p:nvGrpSpPr>
-        <p:cNvPr id="1" name=""/>
-        <p:cNvGrpSpPr/>
-        <p:nvPr/>
-      </p:nvGrpSpPr>
-      <p:grpSpPr>
-        <a:xfrm>
-          <a:off x="0" y="0"/>
-          <a:ext cx="0" cy="0"/>
-          <a:chOff x="0" y="0"/>
-          <a:chExt cx="0" cy="0"/>
-        </a:xfrm>
-      </p:grpSpPr>
-      <p:sp>
-        <p:nvSpPr>
-          <p:cNvPr id="2" name="Title 1"/>
-          <p:cNvSpPr>
-            <a:spLocks noGrp="1"/>
-          </p:cNvSpPr>
-          <p:nvPr>
-            <p:ph type="title"/>
-          </p:nvPr>
-        </p:nvSpPr>
-        <p:spPr/>
-        <p:txBody>
-          <a:bodyPr>
-            <a:normAutofit/>
-          </a:bodyPr>
-          <a:lstStyle/>
-          <a:p>
             <a:pPr fontAlgn="base"/>
             <a:r>
               <a:rPr lang="en-US" b="1" dirty="0"/>
@@ -4724,7 +4669,7 @@
 </p:sld>
 </file>
 
-<file path=ppt/slides/slide19.xml><?xml version="1.0" encoding="utf-8"?>
+<file path=ppt/slides/slide18.xml><?xml version="1.0" encoding="utf-8"?>
 <p:sld xmlns:a="http://schemas.openxmlformats.org/drawingml/2006/main" xmlns:r="http://schemas.openxmlformats.org/officeDocument/2006/relationships" xmlns:p="http://schemas.openxmlformats.org/presentationml/2006/main">
   <p:cSld>
     <p:spTree>
@@ -4841,7 +4786,7 @@
 </p:sld>
 </file>
 
-<file path=ppt/slides/slide2.xml><?xml version="1.0" encoding="utf-8"?>
+<file path=ppt/slides/slide19.xml><?xml version="1.0" encoding="utf-8"?>
 <p:sld xmlns:a="http://schemas.openxmlformats.org/drawingml/2006/main" xmlns:r="http://schemas.openxmlformats.org/officeDocument/2006/relationships" xmlns:p="http://schemas.openxmlformats.org/presentationml/2006/main">
   <p:cSld>
     <p:spTree>
@@ -4870,145 +4815,12 @@
         </p:nvSpPr>
         <p:spPr/>
         <p:txBody>
-          <a:bodyPr/>
-          <a:lstStyle/>
-          <a:p>
-            <a:r>
-              <a:rPr lang="ru-RU" dirty="0" smtClean="0"/>
-              <a:t>Инструменты</a:t>
-            </a:r>
-            <a:endParaRPr lang="en-US" dirty="0"/>
-          </a:p>
-        </p:txBody>
-      </p:sp>
-      <p:sp>
-        <p:nvSpPr>
-          <p:cNvPr id="3" name="Content Placeholder 2"/>
-          <p:cNvSpPr>
-            <a:spLocks noGrp="1"/>
-          </p:cNvSpPr>
-          <p:nvPr>
-            <p:ph idx="1"/>
-          </p:nvPr>
-        </p:nvSpPr>
-        <p:spPr/>
-        <p:txBody>
           <a:bodyPr>
             <a:normAutofit/>
           </a:bodyPr>
           <a:lstStyle/>
           <a:p>
             <a:r>
-              <a:rPr lang="en-US" dirty="0"/>
-              <a:t>J</a:t>
-            </a:r>
-            <a:r>
-              <a:rPr lang="en-US" dirty="0" smtClean="0"/>
-              <a:t>est</a:t>
-            </a:r>
-          </a:p>
-          <a:p>
-            <a:r>
-              <a:rPr lang="en-US" dirty="0" smtClean="0"/>
-              <a:t>Enzyme</a:t>
-            </a:r>
-            <a:endParaRPr lang="en-US" dirty="0"/>
-          </a:p>
-          <a:p>
-            <a:r>
-              <a:rPr lang="en-US" dirty="0"/>
-              <a:t>J</a:t>
-            </a:r>
-            <a:r>
-              <a:rPr lang="en-US" dirty="0" smtClean="0"/>
-              <a:t>est-enzyme</a:t>
-            </a:r>
-          </a:p>
-          <a:p>
-            <a:r>
-              <a:rPr lang="en-US" dirty="0" err="1" smtClean="0"/>
-              <a:t>Jsdom</a:t>
-            </a:r>
-            <a:endParaRPr lang="ru-RU" dirty="0" smtClean="0"/>
-          </a:p>
-          <a:p>
-            <a:r>
-              <a:rPr lang="en-US" dirty="0" smtClean="0">
-                <a:hlinkClick r:id="rId2"/>
-              </a:rPr>
-              <a:t>Jest extension</a:t>
-            </a:r>
-            <a:r>
-              <a:rPr lang="en-US" dirty="0" smtClean="0"/>
-              <a:t> for Visual </a:t>
-            </a:r>
-            <a:r>
-              <a:rPr lang="en-US" dirty="0"/>
-              <a:t>Studio </a:t>
-            </a:r>
-            <a:r>
-              <a:rPr lang="en-US" dirty="0" smtClean="0"/>
-              <a:t>Code.</a:t>
-            </a:r>
-            <a:endParaRPr lang="en-US" dirty="0"/>
-          </a:p>
-        </p:txBody>
-      </p:sp>
-    </p:spTree>
-    <p:extLst>
-      <p:ext uri="{BB962C8B-B14F-4D97-AF65-F5344CB8AC3E}">
-        <p14:creationId xmlns:p14="http://schemas.microsoft.com/office/powerpoint/2010/main" val="3661894978"/>
-      </p:ext>
-    </p:extLst>
-  </p:cSld>
-  <p:clrMapOvr>
-    <a:masterClrMapping/>
-  </p:clrMapOvr>
-  <p:timing>
-    <p:tnLst>
-      <p:par>
-        <p:cTn id="1" dur="indefinite" restart="never" nodeType="tmRoot"/>
-      </p:par>
-    </p:tnLst>
-  </p:timing>
-</p:sld>
-</file>
-
-<file path=ppt/slides/slide20.xml><?xml version="1.0" encoding="utf-8"?>
-<p:sld xmlns:a="http://schemas.openxmlformats.org/drawingml/2006/main" xmlns:r="http://schemas.openxmlformats.org/officeDocument/2006/relationships" xmlns:p="http://schemas.openxmlformats.org/presentationml/2006/main">
-  <p:cSld>
-    <p:spTree>
-      <p:nvGrpSpPr>
-        <p:cNvPr id="1" name=""/>
-        <p:cNvGrpSpPr/>
-        <p:nvPr/>
-      </p:nvGrpSpPr>
-      <p:grpSpPr>
-        <a:xfrm>
-          <a:off x="0" y="0"/>
-          <a:ext cx="0" cy="0"/>
-          <a:chOff x="0" y="0"/>
-          <a:chExt cx="0" cy="0"/>
-        </a:xfrm>
-      </p:grpSpPr>
-      <p:sp>
-        <p:nvSpPr>
-          <p:cNvPr id="2" name="Title 1"/>
-          <p:cNvSpPr>
-            <a:spLocks noGrp="1"/>
-          </p:cNvSpPr>
-          <p:nvPr>
-            <p:ph type="title"/>
-          </p:nvPr>
-        </p:nvSpPr>
-        <p:spPr/>
-        <p:txBody>
-          <a:bodyPr>
-            <a:normAutofit/>
-          </a:bodyPr>
-          <a:lstStyle/>
-          <a:p>
-            <a:r>
               <a:rPr lang="ru-RU" dirty="0" smtClean="0"/>
               <a:t>Тестируем Поведение </a:t>
             </a:r>
@@ -5016,7 +4828,6 @@
               <a:rPr lang="ru-RU" dirty="0"/>
               <a:t>компонента</a:t>
             </a:r>
-            <a:endParaRPr lang="ru-RU" dirty="0"/>
           </a:p>
         </p:txBody>
       </p:sp>
@@ -5062,7 +4873,23 @@
                   <a:srgbClr val="FFFFFF"/>
                 </a:solidFill>
               </a:rPr>
-              <a:t>различные значения свойств и симуляций событий приводят к ожидаемому результату</a:t>
+              <a:t>различные значения свойств и </a:t>
+            </a:r>
+            <a:r>
+              <a:rPr lang="ru-RU" sz="1500" dirty="0" smtClean="0">
+                <a:solidFill>
+                  <a:srgbClr val="FFFFFF"/>
+                </a:solidFill>
+              </a:rPr>
+              <a:t>симуляции </a:t>
+            </a:r>
+            <a:r>
+              <a:rPr lang="ru-RU" sz="1500" dirty="0">
+                <a:solidFill>
+                  <a:srgbClr val="FFFFFF"/>
+                </a:solidFill>
+              </a:rPr>
+              <a:t>событий приводят к ожидаемому результату</a:t>
             </a:r>
           </a:p>
           <a:p>
@@ -5120,7 +4947,7 @@
 </p:sld>
 </file>
 
-<file path=ppt/slides/slide21.xml><?xml version="1.0" encoding="utf-8"?>
+<file path=ppt/slides/slide2.xml><?xml version="1.0" encoding="utf-8"?>
 <p:sld xmlns:a="http://schemas.openxmlformats.org/drawingml/2006/main" xmlns:r="http://schemas.openxmlformats.org/officeDocument/2006/relationships" xmlns:p="http://schemas.openxmlformats.org/presentationml/2006/main">
   <p:cSld>
     <p:spTree>
@@ -5149,6 +4976,129 @@
         </p:nvSpPr>
         <p:spPr/>
         <p:txBody>
+          <a:bodyPr/>
+          <a:lstStyle/>
+          <a:p>
+            <a:r>
+              <a:rPr lang="ru-RU" dirty="0" smtClean="0"/>
+              <a:t>Инструменты</a:t>
+            </a:r>
+            <a:endParaRPr lang="en-US" dirty="0"/>
+          </a:p>
+        </p:txBody>
+      </p:sp>
+      <p:sp>
+        <p:nvSpPr>
+          <p:cNvPr id="3" name="Content Placeholder 2"/>
+          <p:cNvSpPr>
+            <a:spLocks noGrp="1"/>
+          </p:cNvSpPr>
+          <p:nvPr>
+            <p:ph idx="1"/>
+          </p:nvPr>
+        </p:nvSpPr>
+        <p:spPr/>
+        <p:txBody>
+          <a:bodyPr>
+            <a:normAutofit/>
+          </a:bodyPr>
+          <a:lstStyle/>
+          <a:p>
+            <a:r>
+              <a:rPr lang="en-US" dirty="0"/>
+              <a:t>J</a:t>
+            </a:r>
+            <a:r>
+              <a:rPr lang="en-US" dirty="0" smtClean="0"/>
+              <a:t>est</a:t>
+            </a:r>
+          </a:p>
+          <a:p>
+            <a:r>
+              <a:rPr lang="en-US" dirty="0" smtClean="0"/>
+              <a:t>Enzyme</a:t>
+            </a:r>
+            <a:endParaRPr lang="en-US" dirty="0"/>
+          </a:p>
+          <a:p>
+            <a:r>
+              <a:rPr lang="en-US" dirty="0" err="1" smtClean="0"/>
+              <a:t>Jsdom</a:t>
+            </a:r>
+            <a:endParaRPr lang="ru-RU" dirty="0" smtClean="0"/>
+          </a:p>
+          <a:p>
+            <a:r>
+              <a:rPr lang="en-US" dirty="0" smtClean="0">
+                <a:hlinkClick r:id="rId2"/>
+              </a:rPr>
+              <a:t>Jest extension</a:t>
+            </a:r>
+            <a:r>
+              <a:rPr lang="en-US" dirty="0" smtClean="0"/>
+              <a:t> for Visual </a:t>
+            </a:r>
+            <a:r>
+              <a:rPr lang="en-US" dirty="0"/>
+              <a:t>Studio </a:t>
+            </a:r>
+            <a:r>
+              <a:rPr lang="en-US" dirty="0" smtClean="0"/>
+              <a:t>Code.</a:t>
+            </a:r>
+            <a:endParaRPr lang="en-US" dirty="0"/>
+          </a:p>
+        </p:txBody>
+      </p:sp>
+    </p:spTree>
+    <p:extLst>
+      <p:ext uri="{BB962C8B-B14F-4D97-AF65-F5344CB8AC3E}">
+        <p14:creationId xmlns:p14="http://schemas.microsoft.com/office/powerpoint/2010/main" val="3661894978"/>
+      </p:ext>
+    </p:extLst>
+  </p:cSld>
+  <p:clrMapOvr>
+    <a:masterClrMapping/>
+  </p:clrMapOvr>
+  <p:timing>
+    <p:tnLst>
+      <p:par>
+        <p:cTn id="1" dur="indefinite" restart="never" nodeType="tmRoot"/>
+      </p:par>
+    </p:tnLst>
+  </p:timing>
+</p:sld>
+</file>
+
+<file path=ppt/slides/slide20.xml><?xml version="1.0" encoding="utf-8"?>
+<p:sld xmlns:a="http://schemas.openxmlformats.org/drawingml/2006/main" xmlns:r="http://schemas.openxmlformats.org/officeDocument/2006/relationships" xmlns:p="http://schemas.openxmlformats.org/presentationml/2006/main">
+  <p:cSld>
+    <p:spTree>
+      <p:nvGrpSpPr>
+        <p:cNvPr id="1" name=""/>
+        <p:cNvGrpSpPr/>
+        <p:nvPr/>
+      </p:nvGrpSpPr>
+      <p:grpSpPr>
+        <a:xfrm>
+          <a:off x="0" y="0"/>
+          <a:ext cx="0" cy="0"/>
+          <a:chOff x="0" y="0"/>
+          <a:chExt cx="0" cy="0"/>
+        </a:xfrm>
+      </p:grpSpPr>
+      <p:sp>
+        <p:nvSpPr>
+          <p:cNvPr id="2" name="Title 1"/>
+          <p:cNvSpPr>
+            <a:spLocks noGrp="1"/>
+          </p:cNvSpPr>
+          <p:nvPr>
+            <p:ph type="title"/>
+          </p:nvPr>
+        </p:nvSpPr>
+        <p:spPr/>
+        <p:txBody>
           <a:bodyPr>
             <a:normAutofit/>
           </a:bodyPr>
@@ -5196,7 +5146,23 @@
                   <a:srgbClr val="FFFFFF"/>
                 </a:solidFill>
               </a:rPr>
-              <a:t>Иногда несколько тестов отличаются только значениями одного входной переменной. Такие тесты могут быть сгенерированы с помощью функции</a:t>
+              <a:t>Иногда несколько тестов отличаются только значениями </a:t>
+            </a:r>
+            <a:r>
+              <a:rPr lang="ru-RU" sz="1500" dirty="0" smtClean="0">
+                <a:solidFill>
+                  <a:srgbClr val="FFFFFF"/>
+                </a:solidFill>
+              </a:rPr>
+              <a:t>одной </a:t>
+            </a:r>
+            <a:r>
+              <a:rPr lang="ru-RU" sz="1500" dirty="0" smtClean="0">
+                <a:solidFill>
+                  <a:srgbClr val="FFFFFF"/>
+                </a:solidFill>
+              </a:rPr>
+              <a:t>входной переменной. Такие тесты могут быть сгенерированы с помощью функции</a:t>
             </a:r>
             <a:endParaRPr lang="ru-RU" dirty="0"/>
           </a:p>
@@ -5252,6 +5218,232 @@
 </p:sld>
 </file>
 
+<file path=ppt/slides/slide21.xml><?xml version="1.0" encoding="utf-8"?>
+<p:sld xmlns:a="http://schemas.openxmlformats.org/drawingml/2006/main" xmlns:r="http://schemas.openxmlformats.org/officeDocument/2006/relationships" xmlns:p="http://schemas.openxmlformats.org/presentationml/2006/main">
+  <p:cSld>
+    <p:spTree>
+      <p:nvGrpSpPr>
+        <p:cNvPr id="1" name=""/>
+        <p:cNvGrpSpPr/>
+        <p:nvPr/>
+      </p:nvGrpSpPr>
+      <p:grpSpPr>
+        <a:xfrm>
+          <a:off x="0" y="0"/>
+          <a:ext cx="0" cy="0"/>
+          <a:chOff x="0" y="0"/>
+          <a:chExt cx="0" cy="0"/>
+        </a:xfrm>
+      </p:grpSpPr>
+      <p:sp>
+        <p:nvSpPr>
+          <p:cNvPr id="2" name="Title 1"/>
+          <p:cNvSpPr>
+            <a:spLocks noGrp="1"/>
+          </p:cNvSpPr>
+          <p:nvPr>
+            <p:ph type="title"/>
+          </p:nvPr>
+        </p:nvSpPr>
+        <p:spPr/>
+        <p:txBody>
+          <a:bodyPr/>
+          <a:lstStyle/>
+          <a:p>
+            <a:r>
+              <a:rPr lang="ru-RU" dirty="0"/>
+              <a:t>чистый код для </a:t>
+            </a:r>
+            <a:r>
+              <a:rPr lang="ru-RU" dirty="0" smtClean="0"/>
+              <a:t>тестов</a:t>
+            </a:r>
+            <a:endParaRPr lang="en-US" dirty="0"/>
+          </a:p>
+        </p:txBody>
+      </p:sp>
+      <p:sp>
+        <p:nvSpPr>
+          <p:cNvPr id="3" name="Content Placeholder 2"/>
+          <p:cNvSpPr>
+            <a:spLocks noGrp="1"/>
+          </p:cNvSpPr>
+          <p:nvPr>
+            <p:ph idx="1"/>
+          </p:nvPr>
+        </p:nvSpPr>
+        <p:spPr/>
+        <p:txBody>
+          <a:bodyPr>
+            <a:normAutofit fontScale="92500" lnSpcReduction="10000"/>
+          </a:bodyPr>
+          <a:lstStyle/>
+          <a:p>
+            <a:r>
+              <a:rPr lang="ru-RU" dirty="0" smtClean="0"/>
+              <a:t>Проверяйте </a:t>
+            </a:r>
+            <a:r>
+              <a:rPr lang="ru-RU" dirty="0"/>
+              <a:t>только одно условие в каждом тесте. Тогда тесты останутся лаконичными и понятными.</a:t>
+            </a:r>
+          </a:p>
+          <a:p>
+            <a:r>
+              <a:rPr lang="ru-RU" dirty="0"/>
+              <a:t>Правило трёх А (</a:t>
+            </a:r>
+            <a:r>
+              <a:rPr lang="ru-RU" dirty="0" err="1"/>
+              <a:t>arrange</a:t>
+            </a:r>
+            <a:r>
+              <a:rPr lang="ru-RU" dirty="0"/>
+              <a:t>, </a:t>
+            </a:r>
+            <a:r>
+              <a:rPr lang="ru-RU" dirty="0" err="1"/>
+              <a:t>act</a:t>
+            </a:r>
+            <a:r>
+              <a:rPr lang="ru-RU" dirty="0"/>
+              <a:t>, </a:t>
+            </a:r>
+            <a:r>
+              <a:rPr lang="ru-RU" dirty="0" err="1"/>
+              <a:t>assert</a:t>
+            </a:r>
+            <a:r>
+              <a:rPr lang="ru-RU" dirty="0"/>
+              <a:t>) или </a:t>
+            </a:r>
+            <a:r>
+              <a:rPr lang="ru-RU" dirty="0" smtClean="0"/>
+              <a:t>«</a:t>
+            </a:r>
+            <a:r>
+              <a:rPr lang="ru-RU" dirty="0"/>
+              <a:t>дано, когда, тогда» — хорошая мнемоника, чтобы поддерживать хорошую структуру тестов.</a:t>
+            </a:r>
+          </a:p>
+          <a:p>
+            <a:r>
+              <a:rPr lang="ru-RU" dirty="0"/>
+              <a:t>Читаемость имеет значение. Не злоупотребляйте DRY (правило «не повторяйся»). Повторение хорошо, если улучшает читаемость. Попробуйте найти баланс между кодом DRY и DAMP (DAMP — </a:t>
+            </a:r>
+            <a:r>
+              <a:rPr lang="ru-RU" dirty="0" err="1"/>
+              <a:t>Descriptive</a:t>
+            </a:r>
+            <a:r>
+              <a:rPr lang="ru-RU" dirty="0"/>
+              <a:t> </a:t>
+            </a:r>
+            <a:r>
+              <a:rPr lang="ru-RU" dirty="0" err="1"/>
+              <a:t>And</a:t>
+            </a:r>
+            <a:r>
+              <a:rPr lang="ru-RU" dirty="0"/>
+              <a:t> </a:t>
+            </a:r>
+            <a:r>
+              <a:rPr lang="ru-RU" dirty="0" err="1"/>
+              <a:t>Meaningful</a:t>
+            </a:r>
+            <a:r>
+              <a:rPr lang="ru-RU" dirty="0"/>
+              <a:t> </a:t>
+            </a:r>
+            <a:r>
+              <a:rPr lang="ru-RU" dirty="0" err="1"/>
+              <a:t>Phrases</a:t>
+            </a:r>
+            <a:r>
+              <a:rPr lang="ru-RU" dirty="0"/>
+              <a:t>, содержательные и осмысленные фразы).</a:t>
+            </a:r>
+          </a:p>
+          <a:p>
+            <a:r>
+              <a:rPr lang="ru-RU" dirty="0"/>
+              <a:t>Если сомневаетесь насчёт </a:t>
+            </a:r>
+            <a:r>
+              <a:rPr lang="ru-RU" dirty="0" err="1"/>
+              <a:t>рефакторинга</a:t>
+            </a:r>
+            <a:r>
+              <a:rPr lang="ru-RU" dirty="0"/>
+              <a:t> или повторного использования кода, применяйте Правило Трёх. </a:t>
+            </a:r>
+            <a:r>
+              <a:rPr lang="ru-RU" dirty="0" err="1" smtClean="0"/>
+              <a:t>Use</a:t>
+            </a:r>
+            <a:r>
+              <a:rPr lang="ru-RU" dirty="0" smtClean="0"/>
+              <a:t> </a:t>
+            </a:r>
+            <a:r>
+              <a:rPr lang="ru-RU" dirty="0" err="1" smtClean="0"/>
+              <a:t>before</a:t>
+            </a:r>
+            <a:r>
+              <a:rPr lang="ru-RU" dirty="0" smtClean="0"/>
+              <a:t> </a:t>
+            </a:r>
+            <a:r>
+              <a:rPr lang="ru-RU" dirty="0" err="1" smtClean="0"/>
+              <a:t>reuse</a:t>
+            </a:r>
+            <a:r>
+              <a:rPr lang="ru-RU" dirty="0" smtClean="0"/>
+              <a:t>. </a:t>
+            </a:r>
+            <a:r>
+              <a:rPr lang="en-US" dirty="0">
+                <a:hlinkClick r:id="rId2"/>
+              </a:rPr>
+              <a:t>https://blog.codinghorror.com/rule-of-three</a:t>
+            </a:r>
+            <a:r>
+              <a:rPr lang="en-US" dirty="0" smtClean="0">
+                <a:hlinkClick r:id="rId2"/>
+              </a:rPr>
+              <a:t>/</a:t>
+            </a:r>
+            <a:r>
+              <a:rPr lang="ru-RU" dirty="0" smtClean="0"/>
+              <a:t> </a:t>
+            </a:r>
+            <a:endParaRPr lang="ru-RU" dirty="0"/>
+          </a:p>
+          <a:p>
+            <a:endParaRPr lang="en-US" dirty="0"/>
+          </a:p>
+        </p:txBody>
+      </p:sp>
+    </p:spTree>
+    <p:extLst>
+      <p:ext uri="{BB962C8B-B14F-4D97-AF65-F5344CB8AC3E}">
+        <p14:creationId xmlns:p14="http://schemas.microsoft.com/office/powerpoint/2010/main" val="2614285159"/>
+      </p:ext>
+    </p:extLst>
+  </p:cSld>
+  <p:clrMapOvr>
+    <a:masterClrMapping/>
+  </p:clrMapOvr>
+  <p:timing>
+    <p:tnLst>
+      <p:par>
+        <p:cTn id="1" dur="indefinite" restart="never" nodeType="tmRoot"/>
+      </p:par>
+    </p:tnLst>
+  </p:timing>
+</p:sld>
+</file>
+
 <file path=ppt/slides/slide22.xml><?xml version="1.0" encoding="utf-8"?>
 <p:sld xmlns:a="http://schemas.openxmlformats.org/drawingml/2006/main" xmlns:r="http://schemas.openxmlformats.org/officeDocument/2006/relationships" xmlns:p="http://schemas.openxmlformats.org/presentationml/2006/main">
   <p:cSld>
@@ -5285,12 +5477,8 @@
           <a:lstStyle/>
           <a:p>
             <a:r>
-              <a:rPr lang="ru-RU" dirty="0"/>
-              <a:t>чистый код для </a:t>
-            </a:r>
-            <a:r>
-              <a:rPr lang="ru-RU" dirty="0" smtClean="0"/>
-              <a:t>тестов</a:t>
+              <a:rPr lang="ru-RU" dirty="0" smtClean="0"/>
+              <a:t>Примеры</a:t>
             </a:r>
             <a:endParaRPr lang="en-US" dirty="0"/>
           </a:p>
@@ -5309,151 +5497,88 @@
         <p:spPr/>
         <p:txBody>
           <a:bodyPr>
-            <a:normAutofit fontScale="92500" lnSpcReduction="10000"/>
+            <a:normAutofit lnSpcReduction="10000"/>
           </a:bodyPr>
           <a:lstStyle/>
           <a:p>
-            <a:r>
-              <a:rPr lang="ru-RU" dirty="0" smtClean="0"/>
-              <a:t>Проверяйте </a:t>
-            </a:r>
-            <a:r>
-              <a:rPr lang="ru-RU" dirty="0"/>
-              <a:t>только одно условие в каждом тесте. Тогда тесты останутся лаконичными и понятными.</a:t>
-            </a:r>
-          </a:p>
-          <a:p>
-            <a:r>
-              <a:rPr lang="ru-RU" dirty="0"/>
-              <a:t>Правило трёх А (</a:t>
-            </a:r>
-            <a:r>
-              <a:rPr lang="ru-RU" dirty="0" err="1"/>
-              <a:t>arrange</a:t>
-            </a:r>
-            <a:r>
-              <a:rPr lang="ru-RU" dirty="0"/>
-              <a:t>, </a:t>
-            </a:r>
-            <a:r>
-              <a:rPr lang="ru-RU" dirty="0" err="1"/>
-              <a:t>act</a:t>
-            </a:r>
-            <a:r>
-              <a:rPr lang="ru-RU" dirty="0"/>
-              <a:t>, </a:t>
-            </a:r>
-            <a:r>
-              <a:rPr lang="ru-RU" dirty="0" err="1"/>
-              <a:t>assert</a:t>
-            </a:r>
-            <a:r>
-              <a:rPr lang="ru-RU" dirty="0"/>
-              <a:t>) или </a:t>
-            </a:r>
-            <a:r>
-              <a:rPr lang="ru-RU" dirty="0" smtClean="0"/>
-              <a:t>«</a:t>
-            </a:r>
-            <a:r>
-              <a:rPr lang="ru-RU" dirty="0"/>
-              <a:t>дано, когда, тогда» — хорошая мнемоника, чтобы поддерживать хорошую структуру тестов.</a:t>
-            </a:r>
-          </a:p>
-          <a:p>
-            <a:r>
-              <a:rPr lang="ru-RU" dirty="0"/>
-              <a:t>Читаемость имеет значение. Не злоупотребляйте DRY (правило «не повторяйся»). Повторение хорошо, если улучшает читаемость. Попробуйте найти баланс между кодом DRY и DAMP (DAMP — </a:t>
-            </a:r>
-            <a:r>
-              <a:rPr lang="ru-RU" dirty="0" err="1"/>
-              <a:t>Descriptive</a:t>
-            </a:r>
-            <a:r>
-              <a:rPr lang="ru-RU" dirty="0"/>
-              <a:t> </a:t>
-            </a:r>
-            <a:r>
-              <a:rPr lang="ru-RU" dirty="0" err="1"/>
-              <a:t>And</a:t>
-            </a:r>
-            <a:r>
-              <a:rPr lang="ru-RU" dirty="0"/>
-              <a:t> </a:t>
-            </a:r>
-            <a:r>
-              <a:rPr lang="ru-RU" dirty="0" err="1"/>
-              <a:t>Meaningful</a:t>
-            </a:r>
-            <a:r>
-              <a:rPr lang="ru-RU" dirty="0"/>
-              <a:t> </a:t>
-            </a:r>
-            <a:r>
-              <a:rPr lang="ru-RU" dirty="0" err="1"/>
-              <a:t>Phrases</a:t>
-            </a:r>
-            <a:r>
-              <a:rPr lang="ru-RU" dirty="0"/>
-              <a:t>, содержательные и осмысленные фразы).</a:t>
-            </a:r>
-          </a:p>
-          <a:p>
-            <a:r>
-              <a:rPr lang="ru-RU" dirty="0"/>
-              <a:t>Если сомневаетесь насчёт </a:t>
-            </a:r>
-            <a:r>
-              <a:rPr lang="ru-RU" dirty="0" err="1"/>
-              <a:t>рефакторинга</a:t>
-            </a:r>
-            <a:r>
-              <a:rPr lang="ru-RU" dirty="0"/>
-              <a:t> или повторного использования кода, применяйте Правило Трёх. </a:t>
-            </a:r>
-            <a:r>
-              <a:rPr lang="ru-RU" dirty="0" err="1" smtClean="0"/>
-              <a:t>Use</a:t>
-            </a:r>
-            <a:r>
-              <a:rPr lang="ru-RU" dirty="0" smtClean="0"/>
-              <a:t> </a:t>
-            </a:r>
-            <a:r>
-              <a:rPr lang="ru-RU" dirty="0" err="1" smtClean="0"/>
-              <a:t>before</a:t>
-            </a:r>
-            <a:r>
-              <a:rPr lang="ru-RU" dirty="0" smtClean="0"/>
-              <a:t> </a:t>
-            </a:r>
-            <a:r>
-              <a:rPr lang="ru-RU" dirty="0" err="1" smtClean="0"/>
-              <a:t>reuse</a:t>
-            </a:r>
-            <a:r>
-              <a:rPr lang="ru-RU" dirty="0" smtClean="0"/>
-              <a:t>. </a:t>
-            </a:r>
             <a:r>
               <a:rPr lang="en-US" dirty="0">
                 <a:hlinkClick r:id="rId2"/>
               </a:rPr>
-              <a:t>https://blog.codinghorror.com/rule-of-three</a:t>
+              <a:t>https://github.com/facebook/jest/blob/master/e2e/__tests__/</a:t>
             </a:r>
             <a:r>
               <a:rPr lang="en-US" dirty="0" smtClean="0">
                 <a:hlinkClick r:id="rId2"/>
               </a:rPr>
-              <a:t>/</a:t>
-            </a:r>
-            <a:r>
-              <a:rPr lang="ru-RU" dirty="0" smtClean="0"/>
-              <a:t> </a:t>
-            </a:r>
-            <a:endParaRPr lang="ru-RU" dirty="0"/>
-          </a:p>
-          <a:p>
+              <a:t>console.test.js</a:t>
+            </a:r>
+            <a:endParaRPr lang="ru-RU" dirty="0" smtClean="0"/>
+          </a:p>
+          <a:p>
+            <a:r>
+              <a:rPr lang="en-US" dirty="0">
+                <a:hlinkClick r:id="rId3"/>
+              </a:rPr>
+              <a:t>https://</a:t>
+            </a:r>
+            <a:r>
+              <a:rPr lang="en-US" dirty="0" smtClean="0">
+                <a:hlinkClick r:id="rId3"/>
+              </a:rPr>
+              <a:t>github.com/reduxjs/redux/blob/master/examples/tree-view/src/containers/Node.spec.js</a:t>
+            </a:r>
+            <a:endParaRPr lang="ru-RU" dirty="0" smtClean="0"/>
+          </a:p>
+          <a:p>
+            <a:r>
+              <a:rPr lang="en-US" dirty="0">
+                <a:hlinkClick r:id="rId4"/>
+              </a:rPr>
+              <a:t>https://</a:t>
+            </a:r>
+            <a:r>
+              <a:rPr lang="en-US" dirty="0" smtClean="0">
+                <a:hlinkClick r:id="rId4"/>
+              </a:rPr>
+              <a:t>github.com/reduxjs/redux/blob/master/examples/tree-view/src/reducers/index.spec.js</a:t>
+            </a:r>
+            <a:endParaRPr lang="ru-RU" dirty="0" smtClean="0"/>
+          </a:p>
+          <a:p>
+            <a:r>
+              <a:rPr lang="en-US" dirty="0">
+                <a:hlinkClick r:id="rId5"/>
+              </a:rPr>
+              <a:t>https://github.com/tb/redux/tree/react-testing/examples/todomvc/src/components/__tests</a:t>
+            </a:r>
+            <a:r>
+              <a:rPr lang="en-US" dirty="0" smtClean="0">
+                <a:hlinkClick r:id="rId5"/>
+              </a:rPr>
+              <a:t>__</a:t>
+            </a:r>
+            <a:endParaRPr lang="ru-RU" dirty="0" smtClean="0"/>
+          </a:p>
+          <a:p>
+            <a:r>
+              <a:rPr lang="en-US" dirty="0">
+                <a:hlinkClick r:id="rId6"/>
+              </a:rPr>
+              <a:t>https://</a:t>
+            </a:r>
+            <a:r>
+              <a:rPr lang="en-US" dirty="0" smtClean="0">
+                <a:hlinkClick r:id="rId6"/>
+              </a:rPr>
+              <a:t>github.com/mui-org/material-ui/blob/303199d39b42a321d28347d8440d69166f872f27/packages/material-ui/src/Checkbox/Checkbox.test.js</a:t>
+            </a:r>
+            <a:endParaRPr lang="en-US" dirty="0" smtClean="0"/>
+          </a:p>
+          <a:p>
+            <a:pPr marL="0" indent="0">
+              <a:buNone/>
+            </a:pPr>
             <a:endParaRPr lang="en-US" dirty="0"/>
           </a:p>
         </p:txBody>
@@ -5461,7 +5586,7 @@
     </p:spTree>
     <p:extLst>
       <p:ext uri="{BB962C8B-B14F-4D97-AF65-F5344CB8AC3E}">
-        <p14:creationId xmlns:p14="http://schemas.microsoft.com/office/powerpoint/2010/main" val="2614285159"/>
+        <p14:creationId xmlns:p14="http://schemas.microsoft.com/office/powerpoint/2010/main" val="526572013"/>
       </p:ext>
     </p:extLst>
   </p:cSld>
@@ -5512,165 +5637,6 @@
           <a:p>
             <a:r>
               <a:rPr lang="ru-RU" dirty="0" smtClean="0"/>
-              <a:t>Примеры</a:t>
-            </a:r>
-            <a:endParaRPr lang="en-US" dirty="0"/>
-          </a:p>
-        </p:txBody>
-      </p:sp>
-      <p:sp>
-        <p:nvSpPr>
-          <p:cNvPr id="3" name="Content Placeholder 2"/>
-          <p:cNvSpPr>
-            <a:spLocks noGrp="1"/>
-          </p:cNvSpPr>
-          <p:nvPr>
-            <p:ph idx="1"/>
-          </p:nvPr>
-        </p:nvSpPr>
-        <p:spPr/>
-        <p:txBody>
-          <a:bodyPr>
-            <a:normAutofit lnSpcReduction="10000"/>
-          </a:bodyPr>
-          <a:lstStyle/>
-          <a:p>
-            <a:r>
-              <a:rPr lang="en-US" dirty="0">
-                <a:hlinkClick r:id="rId2"/>
-              </a:rPr>
-              <a:t>https://github.com/facebook/jest/blob/master/e2e/__tests__/</a:t>
-            </a:r>
-            <a:r>
-              <a:rPr lang="en-US" dirty="0" smtClean="0">
-                <a:hlinkClick r:id="rId2"/>
-              </a:rPr>
-              <a:t>console.test.js</a:t>
-            </a:r>
-            <a:endParaRPr lang="ru-RU" dirty="0" smtClean="0"/>
-          </a:p>
-          <a:p>
-            <a:r>
-              <a:rPr lang="en-US" dirty="0">
-                <a:hlinkClick r:id="rId3"/>
-              </a:rPr>
-              <a:t>https://</a:t>
-            </a:r>
-            <a:r>
-              <a:rPr lang="en-US" dirty="0" smtClean="0">
-                <a:hlinkClick r:id="rId3"/>
-              </a:rPr>
-              <a:t>github.com/reduxjs/redux/blob/master/examples/tree-view/src/containers/Node.spec.js</a:t>
-            </a:r>
-            <a:endParaRPr lang="ru-RU" dirty="0" smtClean="0"/>
-          </a:p>
-          <a:p>
-            <a:r>
-              <a:rPr lang="en-US" dirty="0">
-                <a:hlinkClick r:id="rId4"/>
-              </a:rPr>
-              <a:t>https://</a:t>
-            </a:r>
-            <a:r>
-              <a:rPr lang="en-US" dirty="0" smtClean="0">
-                <a:hlinkClick r:id="rId4"/>
-              </a:rPr>
-              <a:t>github.com/reduxjs/redux/blob/master/examples/tree-view/src/reducers/index.spec.js</a:t>
-            </a:r>
-            <a:endParaRPr lang="ru-RU" dirty="0" smtClean="0"/>
-          </a:p>
-          <a:p>
-            <a:r>
-              <a:rPr lang="en-US" dirty="0">
-                <a:hlinkClick r:id="rId5"/>
-              </a:rPr>
-              <a:t>https://github.com/tb/redux/tree/react-testing/examples/todomvc/src/components/__tests</a:t>
-            </a:r>
-            <a:r>
-              <a:rPr lang="en-US" dirty="0" smtClean="0">
-                <a:hlinkClick r:id="rId5"/>
-              </a:rPr>
-              <a:t>__</a:t>
-            </a:r>
-            <a:endParaRPr lang="ru-RU" dirty="0" smtClean="0"/>
-          </a:p>
-          <a:p>
-            <a:r>
-              <a:rPr lang="en-US" dirty="0">
-                <a:hlinkClick r:id="rId6"/>
-              </a:rPr>
-              <a:t>https://</a:t>
-            </a:r>
-            <a:r>
-              <a:rPr lang="en-US" dirty="0" smtClean="0">
-                <a:hlinkClick r:id="rId6"/>
-              </a:rPr>
-              <a:t>github.com/mui-org/material-ui/blob/303199d39b42a321d28347d8440d69166f872f27/packages/material-ui/src/Checkbox/Checkbox.test.js</a:t>
-            </a:r>
-            <a:endParaRPr lang="en-US" dirty="0" smtClean="0"/>
-          </a:p>
-          <a:p>
-            <a:pPr marL="0" indent="0">
-              <a:buNone/>
-            </a:pPr>
-            <a:endParaRPr lang="en-US" dirty="0"/>
-          </a:p>
-        </p:txBody>
-      </p:sp>
-    </p:spTree>
-    <p:extLst>
-      <p:ext uri="{BB962C8B-B14F-4D97-AF65-F5344CB8AC3E}">
-        <p14:creationId xmlns:p14="http://schemas.microsoft.com/office/powerpoint/2010/main" val="526572013"/>
-      </p:ext>
-    </p:extLst>
-  </p:cSld>
-  <p:clrMapOvr>
-    <a:masterClrMapping/>
-  </p:clrMapOvr>
-  <p:timing>
-    <p:tnLst>
-      <p:par>
-        <p:cTn id="1" dur="indefinite" restart="never" nodeType="tmRoot"/>
-      </p:par>
-    </p:tnLst>
-  </p:timing>
-</p:sld>
-</file>
-
-<file path=ppt/slides/slide24.xml><?xml version="1.0" encoding="utf-8"?>
-<p:sld xmlns:a="http://schemas.openxmlformats.org/drawingml/2006/main" xmlns:r="http://schemas.openxmlformats.org/officeDocument/2006/relationships" xmlns:p="http://schemas.openxmlformats.org/presentationml/2006/main">
-  <p:cSld>
-    <p:spTree>
-      <p:nvGrpSpPr>
-        <p:cNvPr id="1" name=""/>
-        <p:cNvGrpSpPr/>
-        <p:nvPr/>
-      </p:nvGrpSpPr>
-      <p:grpSpPr>
-        <a:xfrm>
-          <a:off x="0" y="0"/>
-          <a:ext cx="0" cy="0"/>
-          <a:chOff x="0" y="0"/>
-          <a:chExt cx="0" cy="0"/>
-        </a:xfrm>
-      </p:grpSpPr>
-      <p:sp>
-        <p:nvSpPr>
-          <p:cNvPr id="2" name="Title 1"/>
-          <p:cNvSpPr>
-            <a:spLocks noGrp="1"/>
-          </p:cNvSpPr>
-          <p:nvPr>
-            <p:ph type="title"/>
-          </p:nvPr>
-        </p:nvSpPr>
-        <p:spPr/>
-        <p:txBody>
-          <a:bodyPr/>
-          <a:lstStyle/>
-          <a:p>
-            <a:r>
-              <a:rPr lang="ru-RU" dirty="0" smtClean="0"/>
               <a:t>Бонус</a:t>
             </a:r>
             <a:endParaRPr lang="en-US" dirty="0"/>
@@ -5733,7 +5699,7 @@
 </p:sld>
 </file>
 
-<file path=ppt/slides/slide25.xml><?xml version="1.0" encoding="utf-8"?>
+<file path=ppt/slides/slide24.xml><?xml version="1.0" encoding="utf-8"?>
 <p:sld xmlns:a="http://schemas.openxmlformats.org/drawingml/2006/main" xmlns:r="http://schemas.openxmlformats.org/officeDocument/2006/relationships" xmlns:p="http://schemas.openxmlformats.org/presentationml/2006/main">
   <p:cSld>
     <p:spTree>
@@ -6455,6 +6421,148 @@
       </p:grpSpPr>
       <p:sp>
         <p:nvSpPr>
+          <p:cNvPr id="3" name="Content Placeholder 2"/>
+          <p:cNvSpPr>
+            <a:spLocks noGrp="1"/>
+          </p:cNvSpPr>
+          <p:nvPr>
+            <p:ph type="body" idx="1"/>
+          </p:nvPr>
+        </p:nvSpPr>
+        <p:spPr/>
+        <p:txBody>
+          <a:bodyPr>
+            <a:normAutofit/>
+          </a:bodyPr>
+          <a:lstStyle/>
+          <a:p>
+            <a:r>
+              <a:rPr lang="ru-RU" dirty="0" smtClean="0"/>
+              <a:t>Нужен для</a:t>
+            </a:r>
+            <a:endParaRPr lang="en-US" dirty="0"/>
+          </a:p>
+        </p:txBody>
+      </p:sp>
+      <p:sp>
+        <p:nvSpPr>
+          <p:cNvPr id="4" name="Content Placeholder 3"/>
+          <p:cNvSpPr>
+            <a:spLocks noGrp="1"/>
+          </p:cNvSpPr>
+          <p:nvPr>
+            <p:ph sz="half" idx="2"/>
+          </p:nvPr>
+        </p:nvSpPr>
+        <p:spPr/>
+        <p:txBody>
+          <a:bodyPr/>
+          <a:lstStyle/>
+          <a:p>
+            <a:r>
+              <a:rPr lang="en-US" dirty="0"/>
+              <a:t>Any browser </a:t>
+            </a:r>
+            <a:r>
+              <a:rPr lang="en-US" dirty="0" err="1"/>
+              <a:t>globals</a:t>
+            </a:r>
+            <a:r>
+              <a:rPr lang="en-US" dirty="0"/>
+              <a:t> like </a:t>
+            </a:r>
+            <a:r>
+              <a:rPr lang="en-US" b="1" dirty="0"/>
+              <a:t>window</a:t>
+            </a:r>
+            <a:r>
+              <a:rPr lang="en-US" dirty="0"/>
+              <a:t> and </a:t>
+            </a:r>
+            <a:r>
+              <a:rPr lang="en-US" b="1" dirty="0"/>
+              <a:t>document</a:t>
+            </a:r>
+            <a:endParaRPr lang="en-US" b="1" dirty="0" smtClean="0"/>
+          </a:p>
+          <a:p>
+            <a:r>
+              <a:rPr lang="en-US" dirty="0" smtClean="0"/>
+              <a:t>mount</a:t>
+            </a:r>
+            <a:r>
+              <a:rPr lang="en-US" dirty="0"/>
+              <a:t>() in Enzyme</a:t>
+            </a:r>
+          </a:p>
+        </p:txBody>
+      </p:sp>
+      <p:sp>
+        <p:nvSpPr>
+          <p:cNvPr id="5" name="Content Placeholder 4"/>
+          <p:cNvSpPr>
+            <a:spLocks noGrp="1"/>
+          </p:cNvSpPr>
+          <p:nvPr>
+            <p:ph sz="quarter" idx="4"/>
+          </p:nvPr>
+        </p:nvSpPr>
+        <p:spPr/>
+        <p:txBody>
+          <a:bodyPr/>
+          <a:lstStyle/>
+          <a:p>
+            <a:r>
+              <a:rPr lang="en-US" dirty="0"/>
+              <a:t>shallow() in </a:t>
+            </a:r>
+            <a:r>
+              <a:rPr lang="en-US" dirty="0" smtClean="0"/>
+              <a:t>Enzyme</a:t>
+            </a:r>
+          </a:p>
+          <a:p>
+            <a:r>
+              <a:rPr lang="en-US" dirty="0" smtClean="0"/>
+              <a:t>snapshot testing</a:t>
+            </a:r>
+            <a:endParaRPr lang="en-US" dirty="0"/>
+          </a:p>
+        </p:txBody>
+      </p:sp>
+      <p:sp>
+        <p:nvSpPr>
+          <p:cNvPr id="6" name="Text Placeholder 5"/>
+          <p:cNvSpPr>
+            <a:spLocks noGrp="1"/>
+          </p:cNvSpPr>
+          <p:nvPr>
+            <p:ph type="body" sz="quarter" idx="13"/>
+          </p:nvPr>
+        </p:nvSpPr>
+        <p:spPr/>
+        <p:txBody>
+          <a:bodyPr/>
+          <a:lstStyle/>
+          <a:p>
+            <a:r>
+              <a:rPr lang="ru-RU" dirty="0" smtClean="0"/>
+              <a:t>Не нужен</a:t>
+            </a:r>
+            <a:r>
+              <a:rPr lang="en-US" dirty="0" smtClean="0"/>
+              <a:t> </a:t>
+            </a:r>
+            <a:r>
+              <a:rPr lang="ru-RU" dirty="0" smtClean="0"/>
+              <a:t>для</a:t>
+            </a:r>
+            <a:endParaRPr lang="en-US" dirty="0"/>
+          </a:p>
+        </p:txBody>
+      </p:sp>
+      <p:sp>
+        <p:nvSpPr>
           <p:cNvPr id="2" name="Title 1"/>
           <p:cNvSpPr>
             <a:spLocks noGrp="1"/>
@@ -6465,7 +6573,9 @@
         </p:nvSpPr>
         <p:spPr/>
         <p:txBody>
-          <a:bodyPr/>
+          <a:bodyPr>
+            <a:normAutofit/>
+          </a:bodyPr>
           <a:lstStyle/>
           <a:p>
             <a:r>
@@ -6477,99 +6587,17 @@
               <a:t>: </a:t>
             </a:r>
             <a:r>
-              <a:rPr lang="en-US" dirty="0" smtClean="0"/>
-              <a:t>Jest-enzyme</a:t>
-            </a:r>
-            <a:endParaRPr lang="en-US" dirty="0"/>
-          </a:p>
-        </p:txBody>
-      </p:sp>
-      <p:sp>
-        <p:nvSpPr>
-          <p:cNvPr id="8" name="Picture Placeholder 7"/>
-          <p:cNvSpPr>
-            <a:spLocks noGrp="1"/>
-          </p:cNvSpPr>
-          <p:nvPr>
-            <p:ph type="pic" idx="1"/>
-          </p:nvPr>
-        </p:nvSpPr>
-        <p:spPr/>
-      </p:sp>
-      <p:sp>
-        <p:nvSpPr>
-          <p:cNvPr id="6" name="Text Placeholder 5"/>
-          <p:cNvSpPr>
-            <a:spLocks noGrp="1"/>
-          </p:cNvSpPr>
-          <p:nvPr>
-            <p:ph type="body" sz="half" idx="2"/>
-          </p:nvPr>
-        </p:nvSpPr>
-        <p:spPr/>
-        <p:txBody>
-          <a:bodyPr/>
-          <a:lstStyle/>
-          <a:p>
-            <a:r>
-              <a:rPr lang="en-US" dirty="0"/>
-              <a:t>enzyme-matchers</a:t>
-            </a:r>
-          </a:p>
-          <a:p>
-            <a:r>
-              <a:rPr lang="en-US" dirty="0" smtClean="0">
-                <a:hlinkClick r:id="rId2"/>
-              </a:rPr>
-              <a:t>https</a:t>
-            </a:r>
-            <a:r>
-              <a:rPr lang="en-US" dirty="0">
-                <a:hlinkClick r:id="rId2"/>
-              </a:rPr>
-              <a:t>://</a:t>
-            </a:r>
-            <a:r>
-              <a:rPr lang="en-US" dirty="0" smtClean="0">
-                <a:hlinkClick r:id="rId2"/>
-              </a:rPr>
-              <a:t>github.com/FormidableLabs/enzyme-matchers</a:t>
-            </a:r>
-            <a:endParaRPr lang="en-US" dirty="0" smtClean="0"/>
-          </a:p>
-          <a:p>
-            <a:endParaRPr lang="en-US" dirty="0"/>
-          </a:p>
-        </p:txBody>
-      </p:sp>
-      <p:pic>
-        <p:nvPicPr>
-          <p:cNvPr id="7" name="Picture 6"/>
-          <p:cNvPicPr>
-            <a:picLocks noChangeAspect="1"/>
-          </p:cNvPicPr>
-          <p:nvPr/>
-        </p:nvPicPr>
-        <p:blipFill>
-          <a:blip r:embed="rId3"/>
-          <a:stretch>
-            <a:fillRect/>
-          </a:stretch>
-        </p:blipFill>
-        <p:spPr>
-          <a:xfrm>
-            <a:off x="6415087" y="681037"/>
-            <a:ext cx="5457825" cy="5495925"/>
-          </a:xfrm>
-          <a:prstGeom prst="rect">
-            <a:avLst/>
-          </a:prstGeom>
-        </p:spPr>
-      </p:pic>
+              <a:rPr lang="en-US" dirty="0" err="1"/>
+              <a:t>jsdom</a:t>
+            </a:r>
+            <a:endParaRPr lang="en-US" dirty="0"/>
+          </a:p>
+        </p:txBody>
+      </p:sp>
     </p:spTree>
     <p:extLst>
       <p:ext uri="{BB962C8B-B14F-4D97-AF65-F5344CB8AC3E}">
-        <p14:creationId xmlns:p14="http://schemas.microsoft.com/office/powerpoint/2010/main" val="2595392996"/>
+        <p14:creationId xmlns:p14="http://schemas.microsoft.com/office/powerpoint/2010/main" val="1909105258"/>
       </p:ext>
     </p:extLst>
   </p:cSld>
@@ -6605,218 +6633,6 @@
       </p:grpSpPr>
       <p:sp>
         <p:nvSpPr>
-          <p:cNvPr id="3" name="Content Placeholder 2"/>
-          <p:cNvSpPr>
-            <a:spLocks noGrp="1"/>
-          </p:cNvSpPr>
-          <p:nvPr>
-            <p:ph type="body" idx="1"/>
-          </p:nvPr>
-        </p:nvSpPr>
-        <p:spPr/>
-        <p:txBody>
-          <a:bodyPr>
-            <a:normAutofit/>
-          </a:bodyPr>
-          <a:lstStyle/>
-          <a:p>
-            <a:r>
-              <a:rPr lang="ru-RU" dirty="0" smtClean="0"/>
-              <a:t>Нужен для</a:t>
-            </a:r>
-            <a:endParaRPr lang="en-US" dirty="0"/>
-          </a:p>
-        </p:txBody>
-      </p:sp>
-      <p:sp>
-        <p:nvSpPr>
-          <p:cNvPr id="4" name="Content Placeholder 3"/>
-          <p:cNvSpPr>
-            <a:spLocks noGrp="1"/>
-          </p:cNvSpPr>
-          <p:nvPr>
-            <p:ph sz="half" idx="2"/>
-          </p:nvPr>
-        </p:nvSpPr>
-        <p:spPr/>
-        <p:txBody>
-          <a:bodyPr/>
-          <a:lstStyle/>
-          <a:p>
-            <a:r>
-              <a:rPr lang="en-US" dirty="0"/>
-              <a:t>Any browser </a:t>
-            </a:r>
-            <a:r>
-              <a:rPr lang="en-US" dirty="0" err="1"/>
-              <a:t>globals</a:t>
-            </a:r>
-            <a:r>
-              <a:rPr lang="en-US" dirty="0"/>
-              <a:t> like </a:t>
-            </a:r>
-            <a:r>
-              <a:rPr lang="en-US" b="1" dirty="0"/>
-              <a:t>window</a:t>
-            </a:r>
-            <a:r>
-              <a:rPr lang="en-US" dirty="0"/>
-              <a:t> and </a:t>
-            </a:r>
-            <a:r>
-              <a:rPr lang="en-US" b="1" dirty="0"/>
-              <a:t>document</a:t>
-            </a:r>
-            <a:endParaRPr lang="en-US" b="1" dirty="0" smtClean="0"/>
-          </a:p>
-          <a:p>
-            <a:r>
-              <a:rPr lang="en-US" dirty="0" smtClean="0"/>
-              <a:t>mount</a:t>
-            </a:r>
-            <a:r>
-              <a:rPr lang="en-US" dirty="0"/>
-              <a:t>() in Enzyme</a:t>
-            </a:r>
-          </a:p>
-        </p:txBody>
-      </p:sp>
-      <p:sp>
-        <p:nvSpPr>
-          <p:cNvPr id="5" name="Content Placeholder 4"/>
-          <p:cNvSpPr>
-            <a:spLocks noGrp="1"/>
-          </p:cNvSpPr>
-          <p:nvPr>
-            <p:ph sz="quarter" idx="4"/>
-          </p:nvPr>
-        </p:nvSpPr>
-        <p:spPr/>
-        <p:txBody>
-          <a:bodyPr/>
-          <a:lstStyle/>
-          <a:p>
-            <a:r>
-              <a:rPr lang="en-US" dirty="0"/>
-              <a:t>shallow() in </a:t>
-            </a:r>
-            <a:r>
-              <a:rPr lang="en-US" dirty="0" smtClean="0"/>
-              <a:t>Enzyme</a:t>
-            </a:r>
-          </a:p>
-          <a:p>
-            <a:r>
-              <a:rPr lang="en-US" dirty="0" smtClean="0"/>
-              <a:t>snapshot testing</a:t>
-            </a:r>
-            <a:endParaRPr lang="en-US" dirty="0"/>
-          </a:p>
-        </p:txBody>
-      </p:sp>
-      <p:sp>
-        <p:nvSpPr>
-          <p:cNvPr id="6" name="Text Placeholder 5"/>
-          <p:cNvSpPr>
-            <a:spLocks noGrp="1"/>
-          </p:cNvSpPr>
-          <p:nvPr>
-            <p:ph type="body" sz="quarter" idx="13"/>
-          </p:nvPr>
-        </p:nvSpPr>
-        <p:spPr/>
-        <p:txBody>
-          <a:bodyPr/>
-          <a:lstStyle/>
-          <a:p>
-            <a:r>
-              <a:rPr lang="ru-RU" dirty="0" smtClean="0"/>
-              <a:t>Не нужен</a:t>
-            </a:r>
-            <a:r>
-              <a:rPr lang="en-US" dirty="0" smtClean="0"/>
-              <a:t> </a:t>
-            </a:r>
-            <a:r>
-              <a:rPr lang="ru-RU" dirty="0" smtClean="0"/>
-              <a:t>для</a:t>
-            </a:r>
-            <a:endParaRPr lang="en-US" dirty="0"/>
-          </a:p>
-        </p:txBody>
-      </p:sp>
-      <p:sp>
-        <p:nvSpPr>
-          <p:cNvPr id="2" name="Title 1"/>
-          <p:cNvSpPr>
-            <a:spLocks noGrp="1"/>
-          </p:cNvSpPr>
-          <p:nvPr>
-            <p:ph type="title"/>
-          </p:nvPr>
-        </p:nvSpPr>
-        <p:spPr/>
-        <p:txBody>
-          <a:bodyPr>
-            <a:normAutofit/>
-          </a:bodyPr>
-          <a:lstStyle/>
-          <a:p>
-            <a:r>
-              <a:rPr lang="ru-RU" dirty="0"/>
-              <a:t>Инструменты</a:t>
-            </a:r>
-            <a:r>
-              <a:rPr lang="en-US" dirty="0"/>
-              <a:t>: </a:t>
-            </a:r>
-            <a:r>
-              <a:rPr lang="en-US" dirty="0" err="1"/>
-              <a:t>jsdom</a:t>
-            </a:r>
-            <a:endParaRPr lang="en-US" dirty="0"/>
-          </a:p>
-        </p:txBody>
-      </p:sp>
-    </p:spTree>
-    <p:extLst>
-      <p:ext uri="{BB962C8B-B14F-4D97-AF65-F5344CB8AC3E}">
-        <p14:creationId xmlns:p14="http://schemas.microsoft.com/office/powerpoint/2010/main" val="1909105258"/>
-      </p:ext>
-    </p:extLst>
-  </p:cSld>
-  <p:clrMapOvr>
-    <a:masterClrMapping/>
-  </p:clrMapOvr>
-  <p:timing>
-    <p:tnLst>
-      <p:par>
-        <p:cTn id="1" dur="indefinite" restart="never" nodeType="tmRoot"/>
-      </p:par>
-    </p:tnLst>
-  </p:timing>
-</p:sld>
-</file>
-
-<file path=ppt/slides/slide8.xml><?xml version="1.0" encoding="utf-8"?>
-<p:sld xmlns:a="http://schemas.openxmlformats.org/drawingml/2006/main" xmlns:r="http://schemas.openxmlformats.org/officeDocument/2006/relationships" xmlns:p="http://schemas.openxmlformats.org/presentationml/2006/main">
-  <p:cSld>
-    <p:spTree>
-      <p:nvGrpSpPr>
-        <p:cNvPr id="1" name=""/>
-        <p:cNvGrpSpPr/>
-        <p:nvPr/>
-      </p:nvGrpSpPr>
-      <p:grpSpPr>
-        <a:xfrm>
-          <a:off x="0" y="0"/>
-          <a:ext cx="0" cy="0"/>
-          <a:chOff x="0" y="0"/>
-          <a:chExt cx="0" cy="0"/>
-        </a:xfrm>
-      </p:grpSpPr>
-      <p:sp>
-        <p:nvSpPr>
           <p:cNvPr id="7" name="Text Placeholder 6"/>
           <p:cNvSpPr>
             <a:spLocks noGrp="1"/>
@@ -6852,8 +6668,12 @@
           <a:lstStyle/>
           <a:p>
             <a:r>
+              <a:rPr lang="en-US" b="1" dirty="0" smtClean="0"/>
+              <a:t>$</a:t>
+            </a:r>
+            <a:r>
               <a:rPr lang="en-US" dirty="0" smtClean="0"/>
-              <a:t>$ - </a:t>
+              <a:t> - </a:t>
             </a:r>
             <a:r>
               <a:rPr lang="ru-RU" dirty="0" smtClean="0"/>
@@ -6862,8 +6682,12 @@
           </a:p>
           <a:p>
             <a:r>
+              <a:rPr lang="en-US" b="1" dirty="0" smtClean="0"/>
+              <a:t>T</a:t>
+            </a:r>
+            <a:r>
               <a:rPr lang="en-US" dirty="0" smtClean="0"/>
-              <a:t>T - </a:t>
+              <a:t> - </a:t>
             </a:r>
             <a:r>
               <a:rPr lang="ru-RU" dirty="0" smtClean="0"/>
@@ -6872,8 +6696,12 @@
           </a:p>
           <a:p>
             <a:r>
+              <a:rPr lang="en-US" b="1" dirty="0" smtClean="0"/>
+              <a:t>F</a:t>
+            </a:r>
+            <a:r>
               <a:rPr lang="en-US" dirty="0" smtClean="0"/>
-              <a:t>False - </a:t>
+              <a:t>alse - </a:t>
             </a:r>
             <a:r>
               <a:rPr lang="ru-RU" dirty="0" smtClean="0"/>
@@ -6882,8 +6710,12 @@
           </a:p>
           <a:p>
             <a:r>
+              <a:rPr lang="en-US" b="1" dirty="0" smtClean="0"/>
+              <a:t>C</a:t>
+            </a:r>
+            <a:r>
               <a:rPr lang="en-US" dirty="0" smtClean="0"/>
-              <a:t>Coverage - </a:t>
+              <a:t>overage - </a:t>
             </a:r>
             <a:r>
               <a:rPr lang="ru-RU" dirty="0" smtClean="0"/>
@@ -6893,8 +6725,12 @@
           </a:p>
           <a:p>
             <a:r>
+              <a:rPr lang="en-US" b="1" dirty="0" smtClean="0"/>
+              <a:t>B</a:t>
+            </a:r>
+            <a:r>
               <a:rPr lang="en-US" dirty="0" smtClean="0"/>
-              <a:t>Business - </a:t>
+              <a:t>usiness - </a:t>
             </a:r>
             <a:r>
               <a:rPr lang="ru-RU" dirty="0" smtClean="0"/>
@@ -6904,8 +6740,12 @@
           </a:p>
           <a:p>
             <a:r>
+              <a:rPr lang="en-US" b="1" dirty="0" smtClean="0"/>
+              <a:t>C</a:t>
+            </a:r>
+            <a:r>
               <a:rPr lang="en-US" dirty="0" smtClean="0"/>
-              <a:t>Count - </a:t>
+              <a:t>ount - </a:t>
             </a:r>
             <a:r>
               <a:rPr lang="ru-RU" dirty="0" smtClean="0"/>
@@ -7057,7 +6897,7 @@
 </p:sld>
 </file>
 
-<file path=ppt/slides/slide9.xml><?xml version="1.0" encoding="utf-8"?>
+<file path=ppt/slides/slide8.xml><?xml version="1.0" encoding="utf-8"?>
 <p:sld xmlns:a="http://schemas.openxmlformats.org/drawingml/2006/main" xmlns:r="http://schemas.openxmlformats.org/officeDocument/2006/relationships" xmlns:p="http://schemas.openxmlformats.org/presentationml/2006/main">
   <p:cSld>
     <p:spTree>
@@ -7142,6 +6982,116 @@
     <p:extLst>
       <p:ext uri="{BB962C8B-B14F-4D97-AF65-F5344CB8AC3E}">
         <p14:creationId xmlns:p14="http://schemas.microsoft.com/office/powerpoint/2010/main" val="3668788401"/>
+      </p:ext>
+    </p:extLst>
+  </p:cSld>
+  <p:clrMapOvr>
+    <a:masterClrMapping/>
+  </p:clrMapOvr>
+  <p:timing>
+    <p:tnLst>
+      <p:par>
+        <p:cTn id="1" dur="indefinite" restart="never" nodeType="tmRoot"/>
+      </p:par>
+    </p:tnLst>
+  </p:timing>
+</p:sld>
+</file>
+
+<file path=ppt/slides/slide9.xml><?xml version="1.0" encoding="utf-8"?>
+<p:sld xmlns:a="http://schemas.openxmlformats.org/drawingml/2006/main" xmlns:r="http://schemas.openxmlformats.org/officeDocument/2006/relationships" xmlns:p="http://schemas.openxmlformats.org/presentationml/2006/main">
+  <p:cSld>
+    <p:spTree>
+      <p:nvGrpSpPr>
+        <p:cNvPr id="1" name=""/>
+        <p:cNvGrpSpPr/>
+        <p:nvPr/>
+      </p:nvGrpSpPr>
+      <p:grpSpPr>
+        <a:xfrm>
+          <a:off x="0" y="0"/>
+          <a:ext cx="0" cy="0"/>
+          <a:chOff x="0" y="0"/>
+          <a:chExt cx="0" cy="0"/>
+        </a:xfrm>
+      </p:grpSpPr>
+      <p:sp>
+        <p:nvSpPr>
+          <p:cNvPr id="6" name="Title 5"/>
+          <p:cNvSpPr>
+            <a:spLocks noGrp="1"/>
+          </p:cNvSpPr>
+          <p:nvPr>
+            <p:ph type="title"/>
+          </p:nvPr>
+        </p:nvSpPr>
+        <p:spPr/>
+        <p:txBody>
+          <a:bodyPr/>
+          <a:lstStyle/>
+          <a:p>
+            <a:r>
+              <a:rPr lang="ru-RU" dirty="0" smtClean="0"/>
+              <a:t>Зачем писать тесты</a:t>
+            </a:r>
+            <a:endParaRPr lang="en-US" dirty="0"/>
+          </a:p>
+        </p:txBody>
+      </p:sp>
+      <p:sp>
+        <p:nvSpPr>
+          <p:cNvPr id="7" name="Content Placeholder 6"/>
+          <p:cNvSpPr>
+            <a:spLocks noGrp="1"/>
+          </p:cNvSpPr>
+          <p:nvPr>
+            <p:ph idx="1"/>
+          </p:nvPr>
+        </p:nvSpPr>
+        <p:spPr/>
+        <p:txBody>
+          <a:bodyPr>
+            <a:normAutofit/>
+          </a:bodyPr>
+          <a:lstStyle/>
+          <a:p>
+            <a:r>
+              <a:rPr lang="ru-RU" dirty="0" smtClean="0"/>
+              <a:t>Надежность приложения. Меньше неожиданных регрессий</a:t>
+            </a:r>
+          </a:p>
+          <a:p>
+            <a:r>
+              <a:rPr lang="ru-RU" dirty="0" smtClean="0"/>
+              <a:t>Стоимость исправления ошибок ниже</a:t>
+            </a:r>
+            <a:endParaRPr lang="ru-RU" dirty="0"/>
+          </a:p>
+          <a:p>
+            <a:r>
+              <a:rPr lang="ru-RU" dirty="0" smtClean="0"/>
+              <a:t>Производительность. Тесты быстрее кликов</a:t>
+            </a:r>
+          </a:p>
+          <a:p>
+            <a:r>
+              <a:rPr lang="ru-RU" dirty="0" smtClean="0"/>
+              <a:t>Документация</a:t>
+            </a:r>
+          </a:p>
+          <a:p>
+            <a:r>
+              <a:rPr lang="ru-RU" dirty="0" smtClean="0"/>
+              <a:t>Архитектура</a:t>
+            </a:r>
+            <a:endParaRPr lang="en-US" dirty="0"/>
+          </a:p>
+        </p:txBody>
+      </p:sp>
+    </p:spTree>
+    <p:extLst>
+      <p:ext uri="{BB962C8B-B14F-4D97-AF65-F5344CB8AC3E}">
+        <p14:creationId xmlns:p14="http://schemas.microsoft.com/office/powerpoint/2010/main" val="2530550603"/>
       </p:ext>
     </p:extLst>
   </p:cSld>

--- a/assets/React.pptx
+++ b/assets/React.pptx
@@ -26,9 +26,10 @@
     <p:sldId id="282" r:id="rId20"/>
     <p:sldId id="283" r:id="rId21"/>
     <p:sldId id="270" r:id="rId22"/>
-    <p:sldId id="276" r:id="rId23"/>
-    <p:sldId id="274" r:id="rId24"/>
-    <p:sldId id="265" r:id="rId25"/>
+    <p:sldId id="284" r:id="rId23"/>
+    <p:sldId id="276" r:id="rId24"/>
+    <p:sldId id="274" r:id="rId25"/>
+    <p:sldId id="265" r:id="rId26"/>
   </p:sldIdLst>
   <p:sldSz cx="12192000" cy="6858000"/>
   <p:notesSz cx="6858000" cy="9144000"/>
@@ -4263,11 +4264,7 @@
           <a:p>
             <a:r>
               <a:rPr lang="ru-RU" dirty="0" smtClean="0"/>
-              <a:t>Поведение </a:t>
-            </a:r>
-            <a:r>
-              <a:rPr lang="ru-RU" dirty="0" smtClean="0"/>
-              <a:t>компонента</a:t>
+              <a:t>Поведение компонента</a:t>
             </a:r>
             <a:endParaRPr lang="en-US" dirty="0" smtClean="0"/>
           </a:p>
@@ -5146,23 +5143,7 @@
                   <a:srgbClr val="FFFFFF"/>
                 </a:solidFill>
               </a:rPr>
-              <a:t>Иногда несколько тестов отличаются только значениями </a:t>
-            </a:r>
-            <a:r>
-              <a:rPr lang="ru-RU" sz="1500" dirty="0" smtClean="0">
-                <a:solidFill>
-                  <a:srgbClr val="FFFFFF"/>
-                </a:solidFill>
-              </a:rPr>
-              <a:t>одной </a:t>
-            </a:r>
-            <a:r>
-              <a:rPr lang="ru-RU" sz="1500" dirty="0" smtClean="0">
-                <a:solidFill>
-                  <a:srgbClr val="FFFFFF"/>
-                </a:solidFill>
-              </a:rPr>
-              <a:t>входной переменной. Такие тесты могут быть сгенерированы с помощью функции</a:t>
+              <a:t>Иногда несколько тестов отличаются только значениями одной входной переменной. Такие тесты могут быть сгенерированы с помощью функции</a:t>
             </a:r>
             <a:endParaRPr lang="ru-RU" dirty="0"/>
           </a:p>
@@ -5478,7 +5459,7 @@
           <a:p>
             <a:r>
               <a:rPr lang="ru-RU" dirty="0" smtClean="0"/>
-              <a:t>Примеры</a:t>
+              <a:t>Способ тестирования компонентов</a:t>
             </a:r>
             <a:endParaRPr lang="en-US" dirty="0"/>
           </a:p>
@@ -5497,88 +5478,138 @@
         <p:spPr/>
         <p:txBody>
           <a:bodyPr>
-            <a:normAutofit lnSpcReduction="10000"/>
+            <a:normAutofit fontScale="62500" lnSpcReduction="20000"/>
           </a:bodyPr>
           <a:lstStyle/>
           <a:p>
             <a:r>
-              <a:rPr lang="en-US" dirty="0">
+              <a:rPr lang="en-US" b="1" dirty="0">
                 <a:hlinkClick r:id="rId2"/>
               </a:rPr>
-              <a:t>https://github.com/facebook/jest/blob/master/e2e/__tests__/</a:t>
-            </a:r>
-            <a:r>
-              <a:rPr lang="en-US" dirty="0" smtClean="0">
+              <a:t>https://</a:t>
+            </a:r>
+            <a:r>
+              <a:rPr lang="en-US" b="1" dirty="0" smtClean="0">
                 <a:hlinkClick r:id="rId2"/>
               </a:rPr>
-              <a:t>console.test.js</a:t>
-            </a:r>
-            <a:endParaRPr lang="ru-RU" dirty="0" smtClean="0"/>
-          </a:p>
-          <a:p>
-            <a:r>
-              <a:rPr lang="en-US" dirty="0">
-                <a:hlinkClick r:id="rId3"/>
-              </a:rPr>
-              <a:t>https://</a:t>
-            </a:r>
-            <a:r>
-              <a:rPr lang="en-US" dirty="0" smtClean="0">
-                <a:hlinkClick r:id="rId3"/>
-              </a:rPr>
-              <a:t>github.com/reduxjs/redux/blob/master/examples/tree-view/src/containers/Node.spec.js</a:t>
-            </a:r>
-            <a:endParaRPr lang="ru-RU" dirty="0" smtClean="0"/>
-          </a:p>
-          <a:p>
-            <a:r>
-              <a:rPr lang="en-US" dirty="0">
-                <a:hlinkClick r:id="rId4"/>
-              </a:rPr>
-              <a:t>https://</a:t>
-            </a:r>
-            <a:r>
-              <a:rPr lang="en-US" dirty="0" smtClean="0">
-                <a:hlinkClick r:id="rId4"/>
-              </a:rPr>
-              <a:t>github.com/reduxjs/redux/blob/master/examples/tree-view/src/reducers/index.spec.js</a:t>
-            </a:r>
-            <a:endParaRPr lang="ru-RU" dirty="0" smtClean="0"/>
-          </a:p>
-          <a:p>
-            <a:r>
-              <a:rPr lang="en-US" dirty="0">
-                <a:hlinkClick r:id="rId5"/>
-              </a:rPr>
-              <a:t>https://github.com/tb/redux/tree/react-testing/examples/todomvc/src/components/__tests</a:t>
-            </a:r>
-            <a:r>
-              <a:rPr lang="en-US" dirty="0" smtClean="0">
-                <a:hlinkClick r:id="rId5"/>
-              </a:rPr>
-              <a:t>__</a:t>
-            </a:r>
-            <a:endParaRPr lang="ru-RU" dirty="0" smtClean="0"/>
-          </a:p>
-          <a:p>
-            <a:r>
-              <a:rPr lang="en-US" dirty="0">
-                <a:hlinkClick r:id="rId6"/>
-              </a:rPr>
-              <a:t>https://</a:t>
-            </a:r>
-            <a:r>
-              <a:rPr lang="en-US" dirty="0" smtClean="0">
-                <a:hlinkClick r:id="rId6"/>
-              </a:rPr>
-              <a:t>github.com/mui-org/material-ui/blob/303199d39b42a321d28347d8440d69166f872f27/packages/material-ui/src/Checkbox/Checkbox.test.js</a:t>
-            </a:r>
-            <a:endParaRPr lang="en-US" dirty="0" smtClean="0"/>
-          </a:p>
-          <a:p>
-            <a:pPr marL="0" indent="0">
-              <a:buNone/>
-            </a:pPr>
+              <a:t>medium.freecodecamp.org/the-right-way-to-test-react-components-548a4736ab22</a:t>
+            </a:r>
+            <a:r>
+              <a:rPr lang="ru-RU" b="1" dirty="0" smtClean="0"/>
+              <a:t> </a:t>
+            </a:r>
+          </a:p>
+          <a:p>
+            <a:r>
+              <a:rPr lang="en-US" b="1" dirty="0" smtClean="0"/>
+              <a:t>Find </a:t>
+            </a:r>
+            <a:r>
+              <a:rPr lang="en-US" b="1" dirty="0"/>
+              <a:t>your Component Contract </a:t>
+            </a:r>
+            <a:r>
+              <a:rPr lang="en-US" b="1" dirty="0" smtClean="0"/>
+              <a:t>first</a:t>
+            </a:r>
+          </a:p>
+          <a:p>
+            <a:pPr lvl="1"/>
+            <a:r>
+              <a:rPr lang="en-US" dirty="0"/>
+              <a:t>What do I do with the props I receive?</a:t>
+            </a:r>
+          </a:p>
+          <a:p>
+            <a:pPr lvl="1"/>
+            <a:r>
+              <a:rPr lang="en-US" dirty="0"/>
+              <a:t>What components do I render? What do I pass to those components?</a:t>
+            </a:r>
+          </a:p>
+          <a:p>
+            <a:pPr lvl="1"/>
+            <a:r>
+              <a:rPr lang="en-US" dirty="0"/>
+              <a:t>Do I ever keep anything in state? If so, do I invalidate it when receiving new props? When do I update state?</a:t>
+            </a:r>
+          </a:p>
+          <a:p>
+            <a:pPr lvl="1"/>
+            <a:r>
+              <a:rPr lang="en-US" dirty="0"/>
+              <a:t>If a user interacts with me or a child component calls a callback I passed to it, what do I do?</a:t>
+            </a:r>
+          </a:p>
+          <a:p>
+            <a:pPr lvl="1"/>
+            <a:r>
+              <a:rPr lang="en-US" dirty="0"/>
+              <a:t>Does anything happen when I’m mounted? When I’m unmounted</a:t>
+            </a:r>
+            <a:r>
+              <a:rPr lang="en-US" dirty="0" smtClean="0"/>
+              <a:t>?</a:t>
+            </a:r>
+            <a:endParaRPr lang="en-US" dirty="0"/>
+          </a:p>
+          <a:p>
+            <a:r>
+              <a:rPr lang="en-US" dirty="0"/>
+              <a:t>Decide which constraints are worth testing and which aren’t</a:t>
+            </a:r>
+          </a:p>
+          <a:p>
+            <a:r>
+              <a:rPr lang="en-US" strike="sngStrike" dirty="0"/>
+              <a:t>Prop types are not worth </a:t>
+            </a:r>
+            <a:r>
+              <a:rPr lang="en-US" strike="sngStrike" dirty="0" smtClean="0"/>
+              <a:t>testing </a:t>
+            </a:r>
+            <a:r>
+              <a:rPr lang="en-US" dirty="0" smtClean="0"/>
+              <a:t> </a:t>
+            </a:r>
+            <a:r>
+              <a:rPr lang="en-US" i="1" dirty="0" smtClean="0"/>
+              <a:t>- because Typescript</a:t>
+            </a:r>
+            <a:endParaRPr lang="en-US" i="1" dirty="0"/>
+          </a:p>
+          <a:p>
+            <a:r>
+              <a:rPr lang="en-US" dirty="0"/>
+              <a:t>Inline styles are usually not worth </a:t>
+            </a:r>
+            <a:r>
+              <a:rPr lang="en-US" dirty="0" smtClean="0"/>
+              <a:t>testing</a:t>
+            </a:r>
+            <a:r>
+              <a:rPr lang="en-US" b="1" dirty="0" smtClean="0"/>
+              <a:t>, </a:t>
+            </a:r>
+            <a:r>
+              <a:rPr lang="en-US" b="1" dirty="0"/>
+              <a:t>unless they can change at runtime.</a:t>
+            </a:r>
+            <a:endParaRPr lang="en-US" dirty="0"/>
+          </a:p>
+          <a:p>
+            <a:r>
+              <a:rPr lang="en-US" dirty="0"/>
+              <a:t>The components you render and what props you give them are important to test</a:t>
+            </a:r>
+          </a:p>
+          <a:p>
+            <a:r>
+              <a:rPr lang="en-US" dirty="0"/>
+              <a:t>Don’t test things that are not the concern of your component</a:t>
+            </a:r>
+          </a:p>
+          <a:p>
             <a:endParaRPr lang="en-US" dirty="0"/>
           </a:p>
         </p:txBody>
@@ -5586,7 +5617,7 @@
     </p:spTree>
     <p:extLst>
       <p:ext uri="{BB962C8B-B14F-4D97-AF65-F5344CB8AC3E}">
-        <p14:creationId xmlns:p14="http://schemas.microsoft.com/office/powerpoint/2010/main" val="526572013"/>
+        <p14:creationId xmlns:p14="http://schemas.microsoft.com/office/powerpoint/2010/main" val="3839569085"/>
       </p:ext>
     </p:extLst>
   </p:cSld>
@@ -5637,7 +5668,7 @@
           <a:p>
             <a:r>
               <a:rPr lang="ru-RU" dirty="0" smtClean="0"/>
-              <a:t>Бонус</a:t>
+              <a:t>Примеры</a:t>
             </a:r>
             <a:endParaRPr lang="en-US" dirty="0"/>
           </a:p>
@@ -5655,26 +5686,92 @@
         </p:nvSpPr>
         <p:spPr/>
         <p:txBody>
-          <a:bodyPr/>
-          <a:lstStyle/>
-          <a:p>
-            <a:r>
-              <a:rPr lang="ru-RU" dirty="0" smtClean="0"/>
-              <a:t>Как увидеть покрытие</a:t>
-            </a:r>
-          </a:p>
-          <a:p>
-            <a:r>
-              <a:rPr lang="ru-RU" dirty="0" smtClean="0"/>
-              <a:t>Как запустить тесты перед </a:t>
-            </a:r>
-            <a:r>
-              <a:rPr lang="ru-RU" dirty="0" err="1" smtClean="0"/>
-              <a:t>комитом</a:t>
+          <a:bodyPr>
+            <a:normAutofit lnSpcReduction="10000"/>
+          </a:bodyPr>
+          <a:lstStyle/>
+          <a:p>
+            <a:r>
+              <a:rPr lang="en-US" dirty="0">
+                <a:hlinkClick r:id="rId2"/>
+              </a:rPr>
+              <a:t>https://github.com/facebook/jest/blob/master/e2e/__tests__/</a:t>
+            </a:r>
+            <a:r>
+              <a:rPr lang="en-US" dirty="0" smtClean="0">
+                <a:hlinkClick r:id="rId2"/>
+              </a:rPr>
+              <a:t>console.test.js</a:t>
             </a:r>
             <a:endParaRPr lang="ru-RU" dirty="0" smtClean="0"/>
           </a:p>
           <a:p>
+            <a:r>
+              <a:rPr lang="en-US" dirty="0">
+                <a:hlinkClick r:id="rId3"/>
+              </a:rPr>
+              <a:t>https://</a:t>
+            </a:r>
+            <a:r>
+              <a:rPr lang="en-US" dirty="0" smtClean="0">
+                <a:hlinkClick r:id="rId3"/>
+              </a:rPr>
+              <a:t>github.com/reduxjs/redux/blob/master/examples/tree-view/src/containers/Node.spec.js</a:t>
+            </a:r>
+            <a:endParaRPr lang="ru-RU" dirty="0" smtClean="0"/>
+          </a:p>
+          <a:p>
+            <a:r>
+              <a:rPr lang="en-US" dirty="0">
+                <a:hlinkClick r:id="rId4"/>
+              </a:rPr>
+              <a:t>https://</a:t>
+            </a:r>
+            <a:r>
+              <a:rPr lang="en-US" dirty="0" smtClean="0">
+                <a:hlinkClick r:id="rId4"/>
+              </a:rPr>
+              <a:t>github.com/reduxjs/redux/blob/master/examples/tree-view/src/reducers/index.spec.js</a:t>
+            </a:r>
+            <a:endParaRPr lang="ru-RU" dirty="0" smtClean="0"/>
+          </a:p>
+          <a:p>
+            <a:r>
+              <a:rPr lang="en-US" dirty="0">
+                <a:hlinkClick r:id="rId5"/>
+              </a:rPr>
+              <a:t>https://github.com/tb/redux/tree/react-testing/examples/todomvc/src/components/__tests</a:t>
+            </a:r>
+            <a:r>
+              <a:rPr lang="en-US" dirty="0" smtClean="0">
+                <a:hlinkClick r:id="rId5"/>
+              </a:rPr>
+              <a:t>__</a:t>
+            </a:r>
+            <a:endParaRPr lang="ru-RU" dirty="0" smtClean="0"/>
+          </a:p>
+          <a:p>
+            <a:r>
+              <a:rPr lang="en-US" dirty="0">
+                <a:hlinkClick r:id="rId6"/>
+              </a:rPr>
+              <a:t>https://</a:t>
+            </a:r>
+            <a:r>
+              <a:rPr lang="en-US" dirty="0" smtClean="0">
+                <a:hlinkClick r:id="rId6"/>
+              </a:rPr>
+              <a:t>github.com/mui-org/material-ui/blob/303199d39b42a321d28347d8440d69166f872f27/packages/material-ui/src/Checkbox/Checkbox.test.js</a:t>
+            </a:r>
+            <a:endParaRPr lang="en-US" dirty="0" smtClean="0"/>
+          </a:p>
+          <a:p>
+            <a:endParaRPr lang="en-US" dirty="0" smtClean="0"/>
+          </a:p>
+          <a:p>
+            <a:pPr marL="0" indent="0">
+              <a:buNone/>
+            </a:pPr>
             <a:endParaRPr lang="en-US" dirty="0"/>
           </a:p>
         </p:txBody>
@@ -5682,7 +5779,7 @@
     </p:spTree>
     <p:extLst>
       <p:ext uri="{BB962C8B-B14F-4D97-AF65-F5344CB8AC3E}">
-        <p14:creationId xmlns:p14="http://schemas.microsoft.com/office/powerpoint/2010/main" val="2230203390"/>
+        <p14:creationId xmlns:p14="http://schemas.microsoft.com/office/powerpoint/2010/main" val="526572013"/>
       </p:ext>
     </p:extLst>
   </p:cSld>
@@ -5733,6 +5830,102 @@
           <a:p>
             <a:r>
               <a:rPr lang="ru-RU" dirty="0" smtClean="0"/>
+              <a:t>Бонус</a:t>
+            </a:r>
+            <a:endParaRPr lang="en-US" dirty="0"/>
+          </a:p>
+        </p:txBody>
+      </p:sp>
+      <p:sp>
+        <p:nvSpPr>
+          <p:cNvPr id="3" name="Content Placeholder 2"/>
+          <p:cNvSpPr>
+            <a:spLocks noGrp="1"/>
+          </p:cNvSpPr>
+          <p:nvPr>
+            <p:ph idx="1"/>
+          </p:nvPr>
+        </p:nvSpPr>
+        <p:spPr/>
+        <p:txBody>
+          <a:bodyPr/>
+          <a:lstStyle/>
+          <a:p>
+            <a:r>
+              <a:rPr lang="ru-RU" dirty="0" smtClean="0"/>
+              <a:t>Как увидеть покрытие</a:t>
+            </a:r>
+          </a:p>
+          <a:p>
+            <a:r>
+              <a:rPr lang="ru-RU" dirty="0" smtClean="0"/>
+              <a:t>Как запустить тесты перед </a:t>
+            </a:r>
+            <a:r>
+              <a:rPr lang="ru-RU" dirty="0" err="1" smtClean="0"/>
+              <a:t>комитом</a:t>
+            </a:r>
+            <a:endParaRPr lang="ru-RU" dirty="0" smtClean="0"/>
+          </a:p>
+          <a:p>
+            <a:endParaRPr lang="en-US" dirty="0"/>
+          </a:p>
+        </p:txBody>
+      </p:sp>
+    </p:spTree>
+    <p:extLst>
+      <p:ext uri="{BB962C8B-B14F-4D97-AF65-F5344CB8AC3E}">
+        <p14:creationId xmlns:p14="http://schemas.microsoft.com/office/powerpoint/2010/main" val="2230203390"/>
+      </p:ext>
+    </p:extLst>
+  </p:cSld>
+  <p:clrMapOvr>
+    <a:masterClrMapping/>
+  </p:clrMapOvr>
+  <p:timing>
+    <p:tnLst>
+      <p:par>
+        <p:cTn id="1" dur="indefinite" restart="never" nodeType="tmRoot"/>
+      </p:par>
+    </p:tnLst>
+  </p:timing>
+</p:sld>
+</file>
+
+<file path=ppt/slides/slide25.xml><?xml version="1.0" encoding="utf-8"?>
+<p:sld xmlns:a="http://schemas.openxmlformats.org/drawingml/2006/main" xmlns:r="http://schemas.openxmlformats.org/officeDocument/2006/relationships" xmlns:p="http://schemas.openxmlformats.org/presentationml/2006/main">
+  <p:cSld>
+    <p:spTree>
+      <p:nvGrpSpPr>
+        <p:cNvPr id="1" name=""/>
+        <p:cNvGrpSpPr/>
+        <p:nvPr/>
+      </p:nvGrpSpPr>
+      <p:grpSpPr>
+        <a:xfrm>
+          <a:off x="0" y="0"/>
+          <a:ext cx="0" cy="0"/>
+          <a:chOff x="0" y="0"/>
+          <a:chExt cx="0" cy="0"/>
+        </a:xfrm>
+      </p:grpSpPr>
+      <p:sp>
+        <p:nvSpPr>
+          <p:cNvPr id="2" name="Title 1"/>
+          <p:cNvSpPr>
+            <a:spLocks noGrp="1"/>
+          </p:cNvSpPr>
+          <p:nvPr>
+            <p:ph type="title"/>
+          </p:nvPr>
+        </p:nvSpPr>
+        <p:spPr/>
+        <p:txBody>
+          <a:bodyPr/>
+          <a:lstStyle/>
+          <a:p>
+            <a:r>
+              <a:rPr lang="ru-RU" dirty="0" smtClean="0"/>
               <a:t>Ссылки</a:t>
             </a:r>
             <a:endParaRPr lang="en-US" dirty="0"/>
@@ -5752,7 +5945,7 @@
         <p:spPr/>
         <p:txBody>
           <a:bodyPr>
-            <a:normAutofit fontScale="77500" lnSpcReduction="20000"/>
+            <a:normAutofit fontScale="70000" lnSpcReduction="20000"/>
           </a:bodyPr>
           <a:lstStyle/>
           <a:p>
@@ -5887,6 +6080,21 @@
                 <a:hlinkClick r:id="rId10"/>
               </a:rPr>
               <a:t>github.com/facebook/create-react-app/blob/master/packages/react-scripts/template/README.md#running-tests</a:t>
+            </a:r>
+            <a:endParaRPr lang="en-US" dirty="0" smtClean="0"/>
+          </a:p>
+          <a:p>
+            <a:r>
+              <a:rPr lang="en-US" dirty="0">
+                <a:hlinkClick r:id="rId11"/>
+              </a:rPr>
+              <a:t>https://</a:t>
+            </a:r>
+            <a:r>
+              <a:rPr lang="en-US" dirty="0" smtClean="0">
+                <a:hlinkClick r:id="rId11"/>
+              </a:rPr>
+              <a:t>medium.freecodecamp.org/the-right-way-to-test-react-components-548a4736ab22</a:t>
             </a:r>
             <a:endParaRPr lang="ru-RU" dirty="0" smtClean="0"/>
           </a:p>
